--- a/Async Masterclass/Async Masterclass.pptx
+++ b/Async Masterclass/Async Masterclass.pptx
@@ -6,49 +6,45 @@
     <p:sldMasterId id="2147483686" r:id="rId2"/>
   </p:sldMasterIdLst>
   <p:notesMasterIdLst>
-    <p:notesMasterId r:id="rId43"/>
+    <p:notesMasterId r:id="rId39"/>
   </p:notesMasterIdLst>
   <p:sldIdLst>
     <p:sldId id="256" r:id="rId3"/>
-    <p:sldId id="318" r:id="rId4"/>
-    <p:sldId id="320" r:id="rId5"/>
-    <p:sldId id="258" r:id="rId6"/>
-    <p:sldId id="317" r:id="rId7"/>
-    <p:sldId id="341" r:id="rId8"/>
-    <p:sldId id="322" r:id="rId9"/>
-    <p:sldId id="338" r:id="rId10"/>
-    <p:sldId id="330" r:id="rId11"/>
-    <p:sldId id="339" r:id="rId12"/>
-    <p:sldId id="323" r:id="rId13"/>
-    <p:sldId id="331" r:id="rId14"/>
-    <p:sldId id="342" r:id="rId15"/>
-    <p:sldId id="346" r:id="rId16"/>
-    <p:sldId id="324" r:id="rId17"/>
-    <p:sldId id="332" r:id="rId18"/>
-    <p:sldId id="349" r:id="rId19"/>
-    <p:sldId id="345" r:id="rId20"/>
-    <p:sldId id="347" r:id="rId21"/>
-    <p:sldId id="350" r:id="rId22"/>
-    <p:sldId id="325" r:id="rId23"/>
-    <p:sldId id="333" r:id="rId24"/>
-    <p:sldId id="351" r:id="rId25"/>
-    <p:sldId id="326" r:id="rId26"/>
-    <p:sldId id="334" r:id="rId27"/>
-    <p:sldId id="352" r:id="rId28"/>
-    <p:sldId id="353" r:id="rId29"/>
-    <p:sldId id="354" r:id="rId30"/>
-    <p:sldId id="340" r:id="rId31"/>
-    <p:sldId id="327" r:id="rId32"/>
-    <p:sldId id="335" r:id="rId33"/>
-    <p:sldId id="356" r:id="rId34"/>
-    <p:sldId id="355" r:id="rId35"/>
-    <p:sldId id="328" r:id="rId36"/>
-    <p:sldId id="336" r:id="rId37"/>
-    <p:sldId id="358" r:id="rId38"/>
-    <p:sldId id="329" r:id="rId39"/>
-    <p:sldId id="337" r:id="rId40"/>
-    <p:sldId id="274" r:id="rId41"/>
-    <p:sldId id="319" r:id="rId42"/>
+    <p:sldId id="258" r:id="rId4"/>
+    <p:sldId id="317" r:id="rId5"/>
+    <p:sldId id="322" r:id="rId6"/>
+    <p:sldId id="338" r:id="rId7"/>
+    <p:sldId id="330" r:id="rId8"/>
+    <p:sldId id="339" r:id="rId9"/>
+    <p:sldId id="323" r:id="rId10"/>
+    <p:sldId id="331" r:id="rId11"/>
+    <p:sldId id="342" r:id="rId12"/>
+    <p:sldId id="346" r:id="rId13"/>
+    <p:sldId id="324" r:id="rId14"/>
+    <p:sldId id="332" r:id="rId15"/>
+    <p:sldId id="349" r:id="rId16"/>
+    <p:sldId id="345" r:id="rId17"/>
+    <p:sldId id="347" r:id="rId18"/>
+    <p:sldId id="350" r:id="rId19"/>
+    <p:sldId id="325" r:id="rId20"/>
+    <p:sldId id="333" r:id="rId21"/>
+    <p:sldId id="351" r:id="rId22"/>
+    <p:sldId id="326" r:id="rId23"/>
+    <p:sldId id="334" r:id="rId24"/>
+    <p:sldId id="352" r:id="rId25"/>
+    <p:sldId id="353" r:id="rId26"/>
+    <p:sldId id="354" r:id="rId27"/>
+    <p:sldId id="340" r:id="rId28"/>
+    <p:sldId id="327" r:id="rId29"/>
+    <p:sldId id="335" r:id="rId30"/>
+    <p:sldId id="356" r:id="rId31"/>
+    <p:sldId id="355" r:id="rId32"/>
+    <p:sldId id="328" r:id="rId33"/>
+    <p:sldId id="336" r:id="rId34"/>
+    <p:sldId id="358" r:id="rId35"/>
+    <p:sldId id="329" r:id="rId36"/>
+    <p:sldId id="337" r:id="rId37"/>
+    <p:sldId id="274" r:id="rId38"/>
   </p:sldIdLst>
   <p:sldSz cx="12192000" cy="6858000"/>
   <p:notesSz cx="6858000" cy="9144000"/>
@@ -237,7 +233,7 @@
           <a:p>
             <a:fld id="{574E8BCA-0B4F-4373-B78E-3D2899449797}" type="datetimeFigureOut">
               <a:rPr lang="en-US" smtClean="0"/>
-              <a:t>7/24/2023</a:t>
+              <a:t>11/23/2023</a:t>
             </a:fld>
             <a:endParaRPr lang="en-US" dirty="0"/>
           </a:p>
@@ -653,7 +649,7 @@
           <a:p>
             <a:fld id="{94CE3395-F8FF-4336-B2AA-E15575B990E7}" type="slidenum">
               <a:rPr lang="en-US" smtClean="0"/>
-              <a:t>20</a:t>
+              <a:t>17</a:t>
             </a:fld>
             <a:endParaRPr lang="en-US" dirty="0"/>
           </a:p>
@@ -737,7 +733,7 @@
           <a:p>
             <a:fld id="{94CE3395-F8FF-4336-B2AA-E15575B990E7}" type="slidenum">
               <a:rPr lang="en-US" smtClean="0"/>
-              <a:t>35</a:t>
+              <a:t>32</a:t>
             </a:fld>
             <a:endParaRPr lang="en-US" dirty="0"/>
           </a:p>
@@ -821,7 +817,7 @@
           <a:p>
             <a:fld id="{94CE3395-F8FF-4336-B2AA-E15575B990E7}" type="slidenum">
               <a:rPr lang="en-US" smtClean="0"/>
-              <a:t>36</a:t>
+              <a:t>33</a:t>
             </a:fld>
             <a:endParaRPr lang="en-US" dirty="0"/>
           </a:p>
@@ -905,7 +901,7 @@
           <a:p>
             <a:fld id="{94CE3395-F8FF-4336-B2AA-E15575B990E7}" type="slidenum">
               <a:rPr lang="en-US" smtClean="0"/>
-              <a:t>39</a:t>
+              <a:t>36</a:t>
             </a:fld>
             <a:endParaRPr lang="en-US" dirty="0"/>
           </a:p>
@@ -1095,7 +1091,7 @@
           <a:p>
             <a:fld id="{94CE3395-F8FF-4336-B2AA-E15575B990E7}" type="slidenum">
               <a:rPr lang="en-US" smtClean="0"/>
-              <a:t>4</a:t>
+              <a:t>2</a:t>
             </a:fld>
             <a:endParaRPr lang="en-US" dirty="0"/>
           </a:p>
@@ -1195,7 +1191,7 @@
           <a:p>
             <a:fld id="{94CE3395-F8FF-4336-B2AA-E15575B990E7}" type="slidenum">
               <a:rPr lang="en-US" smtClean="0"/>
-              <a:t>8</a:t>
+              <a:t>5</a:t>
             </a:fld>
             <a:endParaRPr lang="en-US" dirty="0"/>
           </a:p>
@@ -1279,7 +1275,7 @@
           <a:p>
             <a:fld id="{94CE3395-F8FF-4336-B2AA-E15575B990E7}" type="slidenum">
               <a:rPr lang="en-US" smtClean="0"/>
-              <a:t>12</a:t>
+              <a:t>9</a:t>
             </a:fld>
             <a:endParaRPr lang="en-US" dirty="0"/>
           </a:p>
@@ -1342,7 +1338,10 @@
           <a:bodyPr/>
           <a:lstStyle/>
           <a:p>
-            <a:endParaRPr lang="en-US" dirty="0"/>
+            <a:r>
+              <a:rPr lang="en-US" dirty="0"/>
+              <a:t>Demo: 10-13 Shift-Alt-R</a:t>
+            </a:r>
           </a:p>
         </p:txBody>
       </p:sp>
@@ -1363,7 +1362,7 @@
           <a:p>
             <a:fld id="{94CE3395-F8FF-4336-B2AA-E15575B990E7}" type="slidenum">
               <a:rPr lang="en-US" smtClean="0"/>
-              <a:t>13</a:t>
+              <a:t>10</a:t>
             </a:fld>
             <a:endParaRPr lang="en-US" dirty="0"/>
           </a:p>
@@ -1447,7 +1446,7 @@
           <a:p>
             <a:fld id="{94CE3395-F8FF-4336-B2AA-E15575B990E7}" type="slidenum">
               <a:rPr lang="en-US" smtClean="0"/>
-              <a:t>16</a:t>
+              <a:t>13</a:t>
             </a:fld>
             <a:endParaRPr lang="en-US" dirty="0"/>
           </a:p>
@@ -1510,7 +1509,10 @@
           <a:bodyPr/>
           <a:lstStyle/>
           <a:p>
-            <a:endParaRPr lang="en-US" dirty="0"/>
+            <a:r>
+              <a:rPr lang="en-US" dirty="0"/>
+              <a:t>Sparingly: Async cache items implicit option flow.</a:t>
+            </a:r>
           </a:p>
         </p:txBody>
       </p:sp>
@@ -1531,7 +1533,7 @@
           <a:p>
             <a:fld id="{94CE3395-F8FF-4336-B2AA-E15575B990E7}" type="slidenum">
               <a:rPr lang="en-US" smtClean="0"/>
-              <a:t>17</a:t>
+              <a:t>14</a:t>
             </a:fld>
             <a:endParaRPr lang="en-US" dirty="0"/>
           </a:p>
@@ -1615,7 +1617,7 @@
           <a:p>
             <a:fld id="{94CE3395-F8FF-4336-B2AA-E15575B990E7}" type="slidenum">
               <a:rPr lang="en-US" smtClean="0"/>
-              <a:t>18</a:t>
+              <a:t>15</a:t>
             </a:fld>
             <a:endParaRPr lang="en-US" dirty="0"/>
           </a:p>
@@ -1699,7 +1701,7 @@
           <a:p>
             <a:fld id="{94CE3395-F8FF-4336-B2AA-E15575B990E7}" type="slidenum">
               <a:rPr lang="en-US" smtClean="0"/>
-              <a:t>19</a:t>
+              <a:t>16</a:t>
             </a:fld>
             <a:endParaRPr lang="en-US" dirty="0"/>
           </a:p>
@@ -2078,6 +2080,213 @@
 </file>
 
 <file path=ppt/slideLayouts/slideLayout4.xml><?xml version="1.0" encoding="utf-8"?>
+<p:sldLayout xmlns:a="http://schemas.openxmlformats.org/drawingml/2006/main" xmlns:r="http://schemas.openxmlformats.org/officeDocument/2006/relationships" xmlns:p="http://schemas.openxmlformats.org/presentationml/2006/main">
+  <p:cSld name="Title Slide">
+    <p:bg>
+      <p:bgPr>
+        <a:solidFill>
+          <a:schemeClr val="tx2"/>
+        </a:solidFill>
+        <a:effectLst/>
+      </p:bgPr>
+    </p:bg>
+    <p:spTree>
+      <p:nvGrpSpPr>
+        <p:cNvPr id="1" name=""/>
+        <p:cNvGrpSpPr/>
+        <p:nvPr/>
+      </p:nvGrpSpPr>
+      <p:grpSpPr>
+        <a:xfrm>
+          <a:off x="0" y="0"/>
+          <a:ext cx="0" cy="0"/>
+          <a:chOff x="0" y="0"/>
+          <a:chExt cx="0" cy="0"/>
+        </a:xfrm>
+      </p:grpSpPr>
+      <p:sp>
+        <p:nvSpPr>
+          <p:cNvPr id="5" name="Text Placeholder 4"/>
+          <p:cNvSpPr>
+            <a:spLocks noGrp="1"/>
+          </p:cNvSpPr>
+          <p:nvPr>
+            <p:ph type="body" sz="quarter" idx="12" hasCustomPrompt="1"/>
+          </p:nvPr>
+        </p:nvSpPr>
+        <p:spPr>
+          <a:xfrm>
+            <a:off x="271104" y="2086786"/>
+            <a:ext cx="9858808" cy="1794661"/>
+          </a:xfrm>
+          <a:noFill/>
+        </p:spPr>
+        <p:txBody>
+          <a:bodyPr lIns="146304" tIns="109728" rIns="146304" bIns="109728">
+            <a:noAutofit/>
+          </a:bodyPr>
+          <a:lstStyle>
+            <a:lvl1pPr marL="0" indent="0">
+              <a:spcBef>
+                <a:spcPts val="0"/>
+              </a:spcBef>
+              <a:buNone/>
+              <a:defRPr sz="3529" spc="0" baseline="0">
+                <a:solidFill>
+                  <a:schemeClr val="bg1"/>
+                </a:solidFill>
+                <a:latin typeface="+mj-lt"/>
+              </a:defRPr>
+            </a:lvl1pPr>
+          </a:lstStyle>
+          <a:p>
+            <a:pPr lvl="0"/>
+            <a:r>
+              <a:rPr lang="en-US" dirty="0"/>
+              <a:t>Speaker Name</a:t>
+            </a:r>
+          </a:p>
+        </p:txBody>
+      </p:sp>
+      <p:sp>
+        <p:nvSpPr>
+          <p:cNvPr id="9" name="Title 1"/>
+          <p:cNvSpPr>
+            <a:spLocks noGrp="1"/>
+          </p:cNvSpPr>
+          <p:nvPr>
+            <p:ph type="title" hasCustomPrompt="1"/>
+          </p:nvPr>
+        </p:nvSpPr>
+        <p:spPr>
+          <a:xfrm>
+            <a:off x="271104" y="285350"/>
+            <a:ext cx="9860610" cy="1801436"/>
+          </a:xfrm>
+          <a:noFill/>
+        </p:spPr>
+        <p:txBody>
+          <a:bodyPr lIns="146304" tIns="91440" rIns="146304" bIns="91440" anchor="t" anchorCtr="0"/>
+          <a:lstStyle>
+            <a:lvl1pPr>
+              <a:defRPr sz="5882" spc="-98" baseline="0">
+                <a:solidFill>
+                  <a:schemeClr val="bg1"/>
+                </a:solidFill>
+              </a:defRPr>
+            </a:lvl1pPr>
+          </a:lstStyle>
+          <a:p>
+            <a:r>
+              <a:rPr lang="en-US" dirty="0"/>
+              <a:t>Presentation title</a:t>
+            </a:r>
+          </a:p>
+        </p:txBody>
+      </p:sp>
+    </p:spTree>
+    <p:extLst>
+      <p:ext uri="{BB962C8B-B14F-4D97-AF65-F5344CB8AC3E}">
+        <p14:creationId xmlns:p14="http://schemas.microsoft.com/office/powerpoint/2010/main" val="279197643"/>
+      </p:ext>
+    </p:extLst>
+  </p:cSld>
+  <p:clrMapOvr>
+    <a:masterClrMapping/>
+  </p:clrMapOvr>
+  <mc:AlternateContent xmlns:mc="http://schemas.openxmlformats.org/markup-compatibility/2006" xmlns:p14="http://schemas.microsoft.com/office/powerpoint/2010/main">
+    <mc:Choice Requires="p14">
+      <p:transition spd="slow" p14:dur="3400">
+        <p14:reveal/>
+      </p:transition>
+    </mc:Choice>
+    <mc:Fallback xmlns="">
+      <p:transition spd="slow">
+        <p:fade/>
+      </p:transition>
+    </mc:Fallback>
+  </mc:AlternateContent>
+</p:sldLayout>
+</file>
+
+<file path=ppt/slideLayouts/slideLayout5.xml><?xml version="1.0" encoding="utf-8"?>
+<p:sldLayout xmlns:a="http://schemas.openxmlformats.org/drawingml/2006/main" xmlns:r="http://schemas.openxmlformats.org/officeDocument/2006/relationships" xmlns:p="http://schemas.openxmlformats.org/presentationml/2006/main">
+  <p:cSld name="Section Title">
+    <p:bg>
+      <p:bgPr>
+        <a:solidFill>
+          <a:schemeClr val="tx2"/>
+        </a:solidFill>
+        <a:effectLst/>
+      </p:bgPr>
+    </p:bg>
+    <p:spTree>
+      <p:nvGrpSpPr>
+        <p:cNvPr id="1" name=""/>
+        <p:cNvGrpSpPr/>
+        <p:nvPr/>
+      </p:nvGrpSpPr>
+      <p:grpSpPr>
+        <a:xfrm>
+          <a:off x="0" y="0"/>
+          <a:ext cx="0" cy="0"/>
+          <a:chOff x="0" y="0"/>
+          <a:chExt cx="0" cy="0"/>
+        </a:xfrm>
+      </p:grpSpPr>
+      <p:sp>
+        <p:nvSpPr>
+          <p:cNvPr id="2" name="Title 1"/>
+          <p:cNvSpPr>
+            <a:spLocks noGrp="1"/>
+          </p:cNvSpPr>
+          <p:nvPr>
+            <p:ph type="title" hasCustomPrompt="1"/>
+          </p:nvPr>
+        </p:nvSpPr>
+        <p:spPr>
+          <a:xfrm>
+            <a:off x="269239" y="2084172"/>
+            <a:ext cx="11653523" cy="1796217"/>
+          </a:xfrm>
+          <a:noFill/>
+        </p:spPr>
+        <p:txBody>
+          <a:bodyPr tIns="91440" bIns="91440" anchor="t" anchorCtr="0"/>
+          <a:lstStyle>
+            <a:lvl1pPr>
+              <a:defRPr sz="8627" spc="-98" baseline="0">
+                <a:solidFill>
+                  <a:schemeClr val="bg1"/>
+                </a:solidFill>
+              </a:defRPr>
+            </a:lvl1pPr>
+          </a:lstStyle>
+          <a:p>
+            <a:r>
+              <a:rPr lang="en-US" dirty="0"/>
+              <a:t>Section title</a:t>
+            </a:r>
+          </a:p>
+        </p:txBody>
+      </p:sp>
+    </p:spTree>
+    <p:extLst>
+      <p:ext uri="{BB962C8B-B14F-4D97-AF65-F5344CB8AC3E}">
+        <p14:creationId xmlns:p14="http://schemas.microsoft.com/office/powerpoint/2010/main" val="4244982479"/>
+      </p:ext>
+    </p:extLst>
+  </p:cSld>
+  <p:clrMapOvr>
+    <a:masterClrMapping/>
+  </p:clrMapOvr>
+  <p:transition>
+    <p:fade/>
+  </p:transition>
+</p:sldLayout>
+</file>
+
+<file path=ppt/slideLayouts/slideLayout6.xml><?xml version="1.0" encoding="utf-8"?>
 <p:sldLayout xmlns:a="http://schemas.openxmlformats.org/drawingml/2006/main" xmlns:r="http://schemas.openxmlformats.org/officeDocument/2006/relationships" xmlns:p="http://schemas.openxmlformats.org/presentationml/2006/main" preserve="1">
   <p:cSld name="Title Slide">
     <p:bg>
@@ -2207,7 +2416,7 @@
 </p:sldLayout>
 </file>
 
-<file path=ppt/slideLayouts/slideLayout5.xml><?xml version="1.0" encoding="utf-8"?>
+<file path=ppt/slideLayouts/slideLayout7.xml><?xml version="1.0" encoding="utf-8"?>
 <p:sldLayout xmlns:a="http://schemas.openxmlformats.org/drawingml/2006/main" xmlns:r="http://schemas.openxmlformats.org/officeDocument/2006/relationships" xmlns:p="http://schemas.openxmlformats.org/presentationml/2006/main" preserve="1">
   <p:cSld name="Section Title">
     <p:bg>
@@ -2284,7 +2493,7 @@
 </p:sldLayout>
 </file>
 
-<file path=ppt/slideLayouts/slideLayout6.xml><?xml version="1.0" encoding="utf-8"?>
+<file path=ppt/slideLayouts/slideLayout8.xml><?xml version="1.0" encoding="utf-8"?>
 <p:sldLayout xmlns:a="http://schemas.openxmlformats.org/drawingml/2006/main" xmlns:r="http://schemas.openxmlformats.org/officeDocument/2006/relationships" xmlns:p="http://schemas.openxmlformats.org/presentationml/2006/main" preserve="1">
   <p:cSld name="Title and Text">
     <p:spTree>
@@ -2601,21 +2810,20 @@
           <p:nvPr userDrawn="1"/>
         </p:nvPicPr>
         <p:blipFill>
-          <a:blip r:embed="rId5">
+          <a:blip r:embed="rId7">
             <a:extLst>
               <a:ext uri="{28A0092B-C50C-407E-A947-70E740481C1C}">
                 <a14:useLocalDpi xmlns:a14="http://schemas.microsoft.com/office/drawing/2010/main" val="0"/>
               </a:ext>
             </a:extLst>
           </a:blip>
-          <a:stretch>
-            <a:fillRect/>
-          </a:stretch>
+          <a:srcRect/>
+          <a:stretch/>
         </p:blipFill>
         <p:spPr>
           <a:xfrm>
-            <a:off x="0" y="1785"/>
-            <a:ext cx="12192000" cy="6854429"/>
+            <a:off x="2464" y="1785"/>
+            <a:ext cx="12187071" cy="6854429"/>
           </a:xfrm>
           <a:prstGeom prst="rect">
             <a:avLst/>
@@ -2782,6 +2990,8 @@
     <p:sldLayoutId id="2147483682" r:id="rId1"/>
     <p:sldLayoutId id="2147483683" r:id="rId2"/>
     <p:sldLayoutId id="2147483684" r:id="rId3"/>
+    <p:sldLayoutId id="2147483690" r:id="rId4"/>
+    <p:sldLayoutId id="2147483691" r:id="rId5"/>
   </p:sldLayoutIdLst>
   <p:transition>
     <p:fade/>
@@ -3138,14 +3348,13 @@
               </a:ext>
             </a:extLst>
           </a:blip>
-          <a:stretch>
-            <a:fillRect/>
-          </a:stretch>
+          <a:srcRect/>
+          <a:stretch/>
         </p:blipFill>
         <p:spPr>
           <a:xfrm>
-            <a:off x="0" y="0"/>
-            <a:ext cx="12192000" cy="6857999"/>
+            <a:off x="0" y="399"/>
+            <a:ext cx="12192000" cy="6857200"/>
           </a:xfrm>
           <a:prstGeom prst="rect">
             <a:avLst/>
@@ -3247,13 +3456,19 @@
       </p:sp>
       <p:sp>
         <p:nvSpPr>
-          <p:cNvPr id="3" name="TextBox 2"/>
+          <p:cNvPr id="5" name="TextBox 4">
+            <a:extLst>
+              <a:ext uri="{FF2B5EF4-FFF2-40B4-BE49-F238E27FC236}">
+                <a16:creationId xmlns:a16="http://schemas.microsoft.com/office/drawing/2014/main" id="{85C68B18-36E2-28A3-4D6A-5300ABB83ED5}"/>
+              </a:ext>
+            </a:extLst>
+          </p:cNvPr>
           <p:cNvSpPr txBox="1"/>
           <p:nvPr userDrawn="1"/>
         </p:nvSpPr>
         <p:spPr>
           <a:xfrm>
-            <a:off x="8900162" y="6041599"/>
+            <a:off x="4584700" y="6006613"/>
             <a:ext cx="3022600" cy="627864"/>
           </a:xfrm>
           <a:prstGeom prst="rect">
@@ -3736,572 +3951,6 @@
       </p:grpSpPr>
       <p:sp>
         <p:nvSpPr>
-          <p:cNvPr id="3" name="Title 2">
-            <a:extLst>
-              <a:ext uri="{FF2B5EF4-FFF2-40B4-BE49-F238E27FC236}">
-                <a16:creationId xmlns:a16="http://schemas.microsoft.com/office/drawing/2014/main" id="{6DC829FB-6C47-1442-C197-D823808B268B}"/>
-              </a:ext>
-            </a:extLst>
-          </p:cNvPr>
-          <p:cNvSpPr>
-            <a:spLocks noGrp="1"/>
-          </p:cNvSpPr>
-          <p:nvPr>
-            <p:ph type="title"/>
-          </p:nvPr>
-        </p:nvSpPr>
-        <p:spPr/>
-        <p:txBody>
-          <a:bodyPr/>
-          <a:lstStyle/>
-          <a:p>
-            <a:r>
-              <a:rPr lang="en-US" dirty="0"/>
-              <a:t>Implementing </a:t>
-            </a:r>
-            <a:r>
-              <a:rPr lang="en-US" dirty="0" err="1"/>
-              <a:t>ValueTask</a:t>
-            </a:r>
-            <a:r>
-              <a:rPr lang="en-US" dirty="0"/>
-              <a:t> Methods</a:t>
-            </a:r>
-          </a:p>
-        </p:txBody>
-      </p:sp>
-      <p:sp>
-        <p:nvSpPr>
-          <p:cNvPr id="4" name="Text Placeholder 3">
-            <a:extLst>
-              <a:ext uri="{FF2B5EF4-FFF2-40B4-BE49-F238E27FC236}">
-                <a16:creationId xmlns:a16="http://schemas.microsoft.com/office/drawing/2014/main" id="{446DB1A2-496F-86BC-5024-8622FC2738C2}"/>
-              </a:ext>
-            </a:extLst>
-          </p:cNvPr>
-          <p:cNvSpPr>
-            <a:spLocks noGrp="1"/>
-          </p:cNvSpPr>
-          <p:nvPr>
-            <p:ph type="body" sz="quarter" idx="10"/>
-          </p:nvPr>
-        </p:nvSpPr>
-        <p:spPr>
-          <a:xfrm>
-            <a:off x="269239" y="1197322"/>
-            <a:ext cx="11653522" cy="4377032"/>
-          </a:xfrm>
-        </p:spPr>
-        <p:txBody>
-          <a:bodyPr/>
-          <a:lstStyle/>
-          <a:p>
-            <a:pPr marL="457200" indent="-457200">
-              <a:buFontTx/>
-              <a:buChar char="-"/>
-            </a:pPr>
-            <a:r>
-              <a:rPr lang="en-US" dirty="0"/>
-              <a:t>Producing </a:t>
-            </a:r>
-            <a:r>
-              <a:rPr lang="en-US" dirty="0" err="1">
-                <a:latin typeface="Consolas" panose="020B0609020204030204" pitchFamily="49" charset="0"/>
-              </a:rPr>
-              <a:t>ValueTask</a:t>
-            </a:r>
-            <a:r>
-              <a:rPr lang="en-US" dirty="0" err="1"/>
-              <a:t>s</a:t>
-            </a:r>
-            <a:r>
-              <a:rPr lang="en-US" dirty="0"/>
-              <a:t>:</a:t>
-            </a:r>
-          </a:p>
-          <a:p>
-            <a:pPr marL="796926" lvl="1" indent="-457200">
-              <a:buFontTx/>
-              <a:buChar char="-"/>
-            </a:pPr>
-            <a:r>
-              <a:rPr lang="en-US" dirty="0">
-                <a:solidFill>
-                  <a:schemeClr val="bg1"/>
-                </a:solidFill>
-                <a:latin typeface="Consolas" panose="020B0609020204030204" pitchFamily="49" charset="0"/>
-              </a:rPr>
-              <a:t>async </a:t>
-            </a:r>
-            <a:r>
-              <a:rPr lang="en-US" dirty="0" err="1">
-                <a:solidFill>
-                  <a:schemeClr val="bg1"/>
-                </a:solidFill>
-                <a:latin typeface="Consolas" panose="020B0609020204030204" pitchFamily="49" charset="0"/>
-              </a:rPr>
-              <a:t>ValueTask</a:t>
-            </a:r>
-            <a:r>
-              <a:rPr lang="en-US" dirty="0"/>
-              <a:t>: possibly-synchronous results (.NET Core 1.1).</a:t>
-            </a:r>
-          </a:p>
-          <a:p>
-            <a:pPr marL="796926" lvl="1" indent="-457200">
-              <a:buFontTx/>
-              <a:buChar char="-"/>
-            </a:pPr>
-            <a:r>
-              <a:rPr lang="en-US" dirty="0">
-                <a:latin typeface="Consolas" panose="020B0609020204030204" pitchFamily="49" charset="0"/>
-              </a:rPr>
-              <a:t>[</a:t>
-            </a:r>
-            <a:r>
-              <a:rPr lang="en-US" dirty="0" err="1">
-                <a:latin typeface="Consolas" panose="020B0609020204030204" pitchFamily="49" charset="0"/>
-              </a:rPr>
-              <a:t>AsyncMethodBuilder</a:t>
-            </a:r>
-            <a:r>
-              <a:rPr lang="en-US" dirty="0">
-                <a:latin typeface="Consolas" panose="020B0609020204030204" pitchFamily="49" charset="0"/>
-              </a:rPr>
-              <a:t>(</a:t>
-            </a:r>
-            <a:r>
-              <a:rPr lang="en-US" dirty="0" err="1">
-                <a:latin typeface="Consolas" panose="020B0609020204030204" pitchFamily="49" charset="0"/>
-              </a:rPr>
-              <a:t>typeof</a:t>
-            </a:r>
-            <a:r>
-              <a:rPr lang="en-US" dirty="0">
-                <a:latin typeface="Consolas" panose="020B0609020204030204" pitchFamily="49" charset="0"/>
-              </a:rPr>
-              <a:t>(</a:t>
-            </a:r>
-            <a:r>
-              <a:rPr lang="en-US" dirty="0" err="1">
-                <a:latin typeface="Consolas" panose="020B0609020204030204" pitchFamily="49" charset="0"/>
-              </a:rPr>
-              <a:t>PoolingAsyncValueTaskMethodBuilder</a:t>
-            </a:r>
-            <a:r>
-              <a:rPr lang="en-US" dirty="0">
-                <a:latin typeface="Consolas" panose="020B0609020204030204" pitchFamily="49" charset="0"/>
-              </a:rPr>
-              <a:t>&lt;&gt;))]</a:t>
-            </a:r>
-            <a:r>
-              <a:rPr lang="en-US" dirty="0">
-                <a:latin typeface="+mn-lt"/>
-              </a:rPr>
-              <a:t>: pooled </a:t>
-            </a:r>
-            <a:r>
-              <a:rPr lang="en-US" dirty="0" err="1">
-                <a:latin typeface="+mn-lt"/>
-              </a:rPr>
-              <a:t>ValueTask</a:t>
-            </a:r>
-            <a:r>
-              <a:rPr lang="en-US" dirty="0">
-                <a:latin typeface="+mn-lt"/>
-              </a:rPr>
-              <a:t> sources (.NET 6).</a:t>
-            </a:r>
-          </a:p>
-          <a:p>
-            <a:pPr marL="457200" indent="-457200">
-              <a:buFontTx/>
-              <a:buChar char="-"/>
-            </a:pPr>
-            <a:endParaRPr lang="en-US" dirty="0">
-              <a:latin typeface="+mn-lt"/>
-            </a:endParaRPr>
-          </a:p>
-          <a:p>
-            <a:pPr marL="457200" indent="-457200">
-              <a:buFontTx/>
-              <a:buChar char="-"/>
-            </a:pPr>
-            <a:r>
-              <a:rPr lang="en-US" dirty="0">
-                <a:latin typeface="+mn-lt"/>
-              </a:rPr>
-              <a:t>Mostly outdated:</a:t>
-            </a:r>
-          </a:p>
-          <a:p>
-            <a:pPr marL="796926" lvl="1" indent="-457200">
-              <a:buFontTx/>
-              <a:buChar char="-"/>
-            </a:pPr>
-            <a:r>
-              <a:rPr lang="en-US" dirty="0"/>
-              <a:t>Constructor: synchronous result or Task wrapper (.NET Core 1.0).</a:t>
-            </a:r>
-          </a:p>
-          <a:p>
-            <a:pPr marL="796926" lvl="1" indent="-457200">
-              <a:buFontTx/>
-              <a:buChar char="-"/>
-            </a:pPr>
-            <a:r>
-              <a:rPr lang="en-US" dirty="0" err="1">
-                <a:latin typeface="Consolas" panose="020B0609020204030204" pitchFamily="49" charset="0"/>
-              </a:rPr>
-              <a:t>ManualResetValueTaskSourceCore</a:t>
-            </a:r>
-            <a:r>
-              <a:rPr lang="en-US" dirty="0">
-                <a:latin typeface="Consolas" panose="020B0609020204030204" pitchFamily="49" charset="0"/>
-              </a:rPr>
-              <a:t>&lt;T&gt;</a:t>
-            </a:r>
-            <a:r>
-              <a:rPr lang="en-US" dirty="0">
-                <a:latin typeface="+mn-lt"/>
-              </a:rPr>
-              <a:t> (.NET Core 3.0).</a:t>
-            </a:r>
-          </a:p>
-          <a:p>
-            <a:pPr marL="1030290" lvl="2" indent="-457200">
-              <a:buFontTx/>
-              <a:buChar char="-"/>
-            </a:pPr>
-            <a:r>
-              <a:rPr lang="en-US" dirty="0">
-                <a:latin typeface="+mn-lt"/>
-              </a:rPr>
-              <a:t>Implements </a:t>
-            </a:r>
-            <a:r>
-              <a:rPr lang="en-US" dirty="0" err="1">
-                <a:latin typeface="Consolas" panose="020B0609020204030204" pitchFamily="49" charset="0"/>
-              </a:rPr>
-              <a:t>IValueTaskSource</a:t>
-            </a:r>
-            <a:r>
-              <a:rPr lang="en-US" dirty="0">
-                <a:latin typeface="Consolas" panose="020B0609020204030204" pitchFamily="49" charset="0"/>
-              </a:rPr>
-              <a:t>&lt;T&gt;</a:t>
-            </a:r>
-          </a:p>
-          <a:p>
-            <a:pPr marL="1030290" lvl="2" indent="-457200">
-              <a:buFontTx/>
-              <a:buChar char="-"/>
-            </a:pPr>
-            <a:r>
-              <a:rPr lang="en-US" dirty="0">
-                <a:latin typeface="+mn-lt"/>
-              </a:rPr>
-              <a:t>Still useful for </a:t>
-            </a:r>
-            <a:r>
-              <a:rPr lang="en-US" i="1" dirty="0">
-                <a:latin typeface="+mn-lt"/>
-              </a:rPr>
-              <a:t>extremely</a:t>
-            </a:r>
-            <a:r>
-              <a:rPr lang="en-US" dirty="0">
-                <a:latin typeface="+mn-lt"/>
-              </a:rPr>
-              <a:t> performance-sensitive code.</a:t>
-            </a:r>
-            <a:endParaRPr lang="en-US" dirty="0">
-              <a:latin typeface="Consolas" panose="020B0609020204030204" pitchFamily="49" charset="0"/>
-            </a:endParaRPr>
-          </a:p>
-        </p:txBody>
-      </p:sp>
-    </p:spTree>
-    <p:extLst>
-      <p:ext uri="{BB962C8B-B14F-4D97-AF65-F5344CB8AC3E}">
-        <p14:creationId xmlns:p14="http://schemas.microsoft.com/office/powerpoint/2010/main" val="2059344013"/>
-      </p:ext>
-    </p:extLst>
-  </p:cSld>
-  <p:clrMapOvr>
-    <a:masterClrMapping/>
-  </p:clrMapOvr>
-  <p:transition>
-    <p:fade/>
-  </p:transition>
-</p:sld>
-</file>
-
-<file path=ppt/slides/slide11.xml><?xml version="1.0" encoding="utf-8"?>
-<p:sld xmlns:a="http://schemas.openxmlformats.org/drawingml/2006/main" xmlns:r="http://schemas.openxmlformats.org/officeDocument/2006/relationships" xmlns:p="http://schemas.openxmlformats.org/presentationml/2006/main">
-  <p:cSld>
-    <p:spTree>
-      <p:nvGrpSpPr>
-        <p:cNvPr id="1" name=""/>
-        <p:cNvGrpSpPr/>
-        <p:nvPr/>
-      </p:nvGrpSpPr>
-      <p:grpSpPr>
-        <a:xfrm>
-          <a:off x="0" y="0"/>
-          <a:ext cx="0" cy="0"/>
-          <a:chOff x="0" y="0"/>
-          <a:chExt cx="0" cy="0"/>
-        </a:xfrm>
-      </p:grpSpPr>
-      <p:sp>
-        <p:nvSpPr>
-          <p:cNvPr id="2" name="Title 1">
-            <a:extLst>
-              <a:ext uri="{FF2B5EF4-FFF2-40B4-BE49-F238E27FC236}">
-                <a16:creationId xmlns:a16="http://schemas.microsoft.com/office/drawing/2014/main" id="{47C1EC8D-C869-4A7A-8349-D1F62555E0F7}"/>
-              </a:ext>
-            </a:extLst>
-          </p:cNvPr>
-          <p:cNvSpPr>
-            <a:spLocks noGrp="1"/>
-          </p:cNvSpPr>
-          <p:nvPr>
-            <p:ph type="title"/>
-          </p:nvPr>
-        </p:nvSpPr>
-        <p:spPr/>
-        <p:txBody>
-          <a:bodyPr/>
-          <a:lstStyle/>
-          <a:p>
-            <a:r>
-              <a:rPr lang="en-US" dirty="0" err="1"/>
-              <a:t>IAsyncDisposable</a:t>
-            </a:r>
-            <a:endParaRPr lang="en-US" dirty="0"/>
-          </a:p>
-        </p:txBody>
-      </p:sp>
-    </p:spTree>
-    <p:extLst>
-      <p:ext uri="{BB962C8B-B14F-4D97-AF65-F5344CB8AC3E}">
-        <p14:creationId xmlns:p14="http://schemas.microsoft.com/office/powerpoint/2010/main" val="139230182"/>
-      </p:ext>
-    </p:extLst>
-  </p:cSld>
-  <p:clrMapOvr>
-    <a:masterClrMapping/>
-  </p:clrMapOvr>
-  <p:transition>
-    <p:fade/>
-  </p:transition>
-</p:sld>
-</file>
-
-<file path=ppt/slides/slide12.xml><?xml version="1.0" encoding="utf-8"?>
-<p:sld xmlns:a="http://schemas.openxmlformats.org/drawingml/2006/main" xmlns:r="http://schemas.openxmlformats.org/officeDocument/2006/relationships" xmlns:p="http://schemas.openxmlformats.org/presentationml/2006/main">
-  <p:cSld>
-    <p:spTree>
-      <p:nvGrpSpPr>
-        <p:cNvPr id="1" name=""/>
-        <p:cNvGrpSpPr/>
-        <p:nvPr/>
-      </p:nvGrpSpPr>
-      <p:grpSpPr>
-        <a:xfrm>
-          <a:off x="0" y="0"/>
-          <a:ext cx="0" cy="0"/>
-          <a:chOff x="0" y="0"/>
-          <a:chExt cx="0" cy="0"/>
-        </a:xfrm>
-      </p:grpSpPr>
-      <p:sp>
-        <p:nvSpPr>
-          <p:cNvPr id="2" name="Title 1">
-            <a:extLst>
-              <a:ext uri="{FF2B5EF4-FFF2-40B4-BE49-F238E27FC236}">
-                <a16:creationId xmlns:a16="http://schemas.microsoft.com/office/drawing/2014/main" id="{DE2CF484-0F47-554C-2FA2-668360593019}"/>
-              </a:ext>
-            </a:extLst>
-          </p:cNvPr>
-          <p:cNvSpPr>
-            <a:spLocks noGrp="1"/>
-          </p:cNvSpPr>
-          <p:nvPr>
-            <p:ph type="title"/>
-          </p:nvPr>
-        </p:nvSpPr>
-        <p:spPr/>
-        <p:txBody>
-          <a:bodyPr/>
-          <a:lstStyle/>
-          <a:p>
-            <a:r>
-              <a:rPr lang="en-US" dirty="0"/>
-              <a:t>Asynchronous Disposal</a:t>
-            </a:r>
-          </a:p>
-        </p:txBody>
-      </p:sp>
-      <p:sp>
-        <p:nvSpPr>
-          <p:cNvPr id="5" name="Text Placeholder 4">
-            <a:extLst>
-              <a:ext uri="{FF2B5EF4-FFF2-40B4-BE49-F238E27FC236}">
-                <a16:creationId xmlns:a16="http://schemas.microsoft.com/office/drawing/2014/main" id="{BBEE5FCE-DFD3-DCAC-06BC-BF9A8DAF3660}"/>
-              </a:ext>
-            </a:extLst>
-          </p:cNvPr>
-          <p:cNvSpPr>
-            <a:spLocks noGrp="1"/>
-          </p:cNvSpPr>
-          <p:nvPr>
-            <p:ph type="body" sz="quarter" idx="10"/>
-          </p:nvPr>
-        </p:nvSpPr>
-        <p:spPr>
-          <a:xfrm>
-            <a:off x="269239" y="1197322"/>
-            <a:ext cx="11653522" cy="4366708"/>
-          </a:xfrm>
-        </p:spPr>
-        <p:txBody>
-          <a:bodyPr/>
-          <a:lstStyle/>
-          <a:p>
-            <a:r>
-              <a:rPr lang="en-US" dirty="0" err="1">
-                <a:latin typeface="Consolas" panose="020B0609020204030204" pitchFamily="49" charset="0"/>
-              </a:rPr>
-              <a:t>ValueTask</a:t>
-            </a:r>
-            <a:r>
-              <a:rPr lang="en-US" dirty="0">
-                <a:latin typeface="Consolas" panose="020B0609020204030204" pitchFamily="49" charset="0"/>
-              </a:rPr>
-              <a:t> </a:t>
-            </a:r>
-            <a:r>
-              <a:rPr lang="en-US" dirty="0" err="1">
-                <a:latin typeface="Consolas" panose="020B0609020204030204" pitchFamily="49" charset="0"/>
-              </a:rPr>
-              <a:t>DisposeAsync</a:t>
-            </a:r>
-            <a:r>
-              <a:rPr lang="en-US" dirty="0">
-                <a:latin typeface="Consolas" panose="020B0609020204030204" pitchFamily="49" charset="0"/>
-              </a:rPr>
-              <a:t>();</a:t>
-            </a:r>
-          </a:p>
-          <a:p>
-            <a:endParaRPr lang="en-US" dirty="0"/>
-          </a:p>
-          <a:p>
-            <a:pPr marL="457200" indent="-457200">
-              <a:buFontTx/>
-              <a:buChar char="-"/>
-            </a:pPr>
-            <a:r>
-              <a:rPr lang="en-US" dirty="0"/>
-              <a:t>Just like </a:t>
-            </a:r>
-            <a:r>
-              <a:rPr lang="en-US" dirty="0">
-                <a:latin typeface="Consolas" panose="020B0609020204030204" pitchFamily="49" charset="0"/>
-              </a:rPr>
-              <a:t>Dispose()</a:t>
-            </a:r>
-            <a:r>
-              <a:rPr lang="en-US" dirty="0"/>
-              <a:t>, just asynchronous.</a:t>
-            </a:r>
-          </a:p>
-          <a:p>
-            <a:pPr marL="457200" indent="-457200">
-              <a:buFontTx/>
-              <a:buChar char="-"/>
-            </a:pPr>
-            <a:r>
-              <a:rPr lang="en-US" dirty="0"/>
-              <a:t>No official patterns for whether you can (or should) support both, “dispose pattern”, etc.</a:t>
-            </a:r>
-          </a:p>
-          <a:p>
-            <a:pPr marL="457200" indent="-457200">
-              <a:buFontTx/>
-              <a:buChar char="-"/>
-            </a:pPr>
-            <a:endParaRPr lang="en-US" dirty="0"/>
-          </a:p>
-          <a:p>
-            <a:r>
-              <a:rPr lang="en-US" dirty="0"/>
-              <a:t>Not supported everywhere, e.g., </a:t>
-            </a:r>
-            <a:r>
-              <a:rPr lang="en-US" dirty="0" err="1">
-                <a:latin typeface="Consolas" panose="020B0609020204030204" pitchFamily="49" charset="0"/>
-              </a:rPr>
-              <a:t>AsyncServiceScope</a:t>
-            </a:r>
-            <a:r>
-              <a:rPr lang="en-US" dirty="0"/>
-              <a:t> is 6.0+</a:t>
-            </a:r>
-          </a:p>
-          <a:p>
-            <a:pPr marL="457200" indent="-457200">
-              <a:buFontTx/>
-              <a:buChar char="-"/>
-            </a:pPr>
-            <a:r>
-              <a:rPr lang="en-US" dirty="0" err="1"/>
-              <a:t>Nito.Disposables</a:t>
-            </a:r>
-            <a:r>
-              <a:rPr lang="en-US" dirty="0"/>
-              <a:t> if you want helpers.</a:t>
-            </a:r>
-          </a:p>
-        </p:txBody>
-      </p:sp>
-    </p:spTree>
-    <p:extLst>
-      <p:ext uri="{BB962C8B-B14F-4D97-AF65-F5344CB8AC3E}">
-        <p14:creationId xmlns:p14="http://schemas.microsoft.com/office/powerpoint/2010/main" val="658538106"/>
-      </p:ext>
-    </p:extLst>
-  </p:cSld>
-  <p:clrMapOvr>
-    <a:masterClrMapping/>
-  </p:clrMapOvr>
-  <p:transition>
-    <p:fade/>
-  </p:transition>
-</p:sld>
-</file>
-
-<file path=ppt/slides/slide13.xml><?xml version="1.0" encoding="utf-8"?>
-<p:sld xmlns:a="http://schemas.openxmlformats.org/drawingml/2006/main" xmlns:r="http://schemas.openxmlformats.org/officeDocument/2006/relationships" xmlns:p="http://schemas.openxmlformats.org/presentationml/2006/main">
-  <p:cSld>
-    <p:spTree>
-      <p:nvGrpSpPr>
-        <p:cNvPr id="1" name=""/>
-        <p:cNvGrpSpPr/>
-        <p:nvPr/>
-      </p:nvGrpSpPr>
-      <p:grpSpPr>
-        <a:xfrm>
-          <a:off x="0" y="0"/>
-          <a:ext cx="0" cy="0"/>
-          <a:chOff x="0" y="0"/>
-          <a:chExt cx="0" cy="0"/>
-        </a:xfrm>
-      </p:grpSpPr>
-      <p:sp>
-        <p:nvSpPr>
           <p:cNvPr id="2" name="Title 1">
             <a:extLst>
               <a:ext uri="{FF2B5EF4-FFF2-40B4-BE49-F238E27FC236}">
@@ -4386,21 +4035,20 @@
           <p:nvPr/>
         </p:nvPicPr>
         <p:blipFill>
-          <a:blip r:embed="rId3" cstate="print">
+          <a:blip r:embed="rId3">
             <a:extLst>
               <a:ext uri="{28A0092B-C50C-407E-A947-70E740481C1C}">
                 <a14:useLocalDpi xmlns:a14="http://schemas.microsoft.com/office/drawing/2010/main" val="0"/>
               </a:ext>
             </a:extLst>
           </a:blip>
-          <a:stretch>
-            <a:fillRect/>
-          </a:stretch>
+          <a:srcRect/>
+          <a:stretch/>
         </p:blipFill>
         <p:spPr>
           <a:xfrm>
-            <a:off x="3902107" y="2554015"/>
-            <a:ext cx="4387786" cy="2467842"/>
+            <a:off x="4450772" y="2554015"/>
+            <a:ext cx="3290456" cy="2467842"/>
           </a:xfrm>
           <a:prstGeom prst="rect">
             <a:avLst/>
@@ -4426,7 +4074,7 @@
 </p:sld>
 </file>
 
-<file path=ppt/slides/slide14.xml><?xml version="1.0" encoding="utf-8"?>
+<file path=ppt/slides/slide11.xml><?xml version="1.0" encoding="utf-8"?>
 <p:sld xmlns:a="http://schemas.openxmlformats.org/drawingml/2006/main" xmlns:r="http://schemas.openxmlformats.org/officeDocument/2006/relationships" xmlns:p="http://schemas.openxmlformats.org/presentationml/2006/main">
   <p:cSld>
     <p:spTree>
@@ -4808,7 +4456,7 @@
 </p:sld>
 </file>
 
-<file path=ppt/slides/slide15.xml><?xml version="1.0" encoding="utf-8"?>
+<file path=ppt/slides/slide12.xml><?xml version="1.0" encoding="utf-8"?>
 <p:sld xmlns:a="http://schemas.openxmlformats.org/drawingml/2006/main" xmlns:r="http://schemas.openxmlformats.org/officeDocument/2006/relationships" xmlns:p="http://schemas.openxmlformats.org/presentationml/2006/main">
   <p:cSld>
     <p:spTree>
@@ -4873,7 +4521,7 @@
 </p:sld>
 </file>
 
-<file path=ppt/slides/slide16.xml><?xml version="1.0" encoding="utf-8"?>
+<file path=ppt/slides/slide13.xml><?xml version="1.0" encoding="utf-8"?>
 <p:sld xmlns:a="http://schemas.openxmlformats.org/drawingml/2006/main" xmlns:r="http://schemas.openxmlformats.org/officeDocument/2006/relationships" xmlns:p="http://schemas.openxmlformats.org/presentationml/2006/main">
   <p:cSld>
     <p:spTree>
@@ -4915,10 +4563,7 @@
               <a:rPr lang="en-US" dirty="0" err="1"/>
               <a:t>AsyncLocal</a:t>
             </a:r>
-            <a:r>
-              <a:rPr lang="en-US" dirty="0"/>
-              <a:t>: Use Case</a:t>
-            </a:r>
+            <a:endParaRPr lang="en-US" dirty="0"/>
           </a:p>
         </p:txBody>
       </p:sp>
@@ -4977,14 +4622,13 @@
               </a:ext>
             </a:extLst>
           </a:blip>
-          <a:stretch>
-            <a:fillRect/>
-          </a:stretch>
+          <a:srcRect/>
+          <a:stretch/>
         </p:blipFill>
         <p:spPr>
           <a:xfrm>
-            <a:off x="3902107" y="2554015"/>
-            <a:ext cx="4387786" cy="2467842"/>
+            <a:off x="4862079" y="2554015"/>
+            <a:ext cx="2467842" cy="2467842"/>
           </a:xfrm>
           <a:prstGeom prst="rect">
             <a:avLst/>
@@ -5010,7 +4654,7 @@
 </p:sld>
 </file>
 
-<file path=ppt/slides/slide17.xml><?xml version="1.0" encoding="utf-8"?>
+<file path=ppt/slides/slide14.xml><?xml version="1.0" encoding="utf-8"?>
 <p:sld xmlns:a="http://schemas.openxmlformats.org/drawingml/2006/main" xmlns:r="http://schemas.openxmlformats.org/officeDocument/2006/relationships" xmlns:p="http://schemas.openxmlformats.org/presentationml/2006/main">
   <p:cSld>
     <p:spTree>
@@ -5233,7 +4877,7 @@
 </p:sld>
 </file>
 
-<file path=ppt/slides/slide18.xml><?xml version="1.0" encoding="utf-8"?>
+<file path=ppt/slides/slide15.xml><?xml version="1.0" encoding="utf-8"?>
 <p:sld xmlns:a="http://schemas.openxmlformats.org/drawingml/2006/main" xmlns:r="http://schemas.openxmlformats.org/officeDocument/2006/relationships" xmlns:p="http://schemas.openxmlformats.org/presentationml/2006/main">
   <p:cSld>
     <p:spTree>
@@ -5474,7 +5118,7 @@
 </p:sld>
 </file>
 
-<file path=ppt/slides/slide19.xml><?xml version="1.0" encoding="utf-8"?>
+<file path=ppt/slides/slide16.xml><?xml version="1.0" encoding="utf-8"?>
 <p:sld xmlns:a="http://schemas.openxmlformats.org/drawingml/2006/main" xmlns:r="http://schemas.openxmlformats.org/officeDocument/2006/relationships" xmlns:p="http://schemas.openxmlformats.org/presentationml/2006/main">
   <p:cSld>
     <p:spTree>
@@ -5619,6 +5263,372 @@
 </p:sld>
 </file>
 
+<file path=ppt/slides/slide17.xml><?xml version="1.0" encoding="utf-8"?>
+<p:sld xmlns:a="http://schemas.openxmlformats.org/drawingml/2006/main" xmlns:r="http://schemas.openxmlformats.org/officeDocument/2006/relationships" xmlns:p="http://schemas.openxmlformats.org/presentationml/2006/main">
+  <p:cSld>
+    <p:spTree>
+      <p:nvGrpSpPr>
+        <p:cNvPr id="1" name=""/>
+        <p:cNvGrpSpPr/>
+        <p:nvPr/>
+      </p:nvGrpSpPr>
+      <p:grpSpPr>
+        <a:xfrm>
+          <a:off x="0" y="0"/>
+          <a:ext cx="0" cy="0"/>
+          <a:chOff x="0" y="0"/>
+          <a:chExt cx="0" cy="0"/>
+        </a:xfrm>
+      </p:grpSpPr>
+      <p:sp>
+        <p:nvSpPr>
+          <p:cNvPr id="3" name="Title 2">
+            <a:extLst>
+              <a:ext uri="{FF2B5EF4-FFF2-40B4-BE49-F238E27FC236}">
+                <a16:creationId xmlns:a16="http://schemas.microsoft.com/office/drawing/2014/main" id="{C8B1BACE-61A4-9E5D-BCE5-61F358F5296A}"/>
+              </a:ext>
+            </a:extLst>
+          </p:cNvPr>
+          <p:cNvSpPr>
+            <a:spLocks noGrp="1"/>
+          </p:cNvSpPr>
+          <p:nvPr>
+            <p:ph type="title"/>
+          </p:nvPr>
+        </p:nvSpPr>
+        <p:spPr/>
+        <p:txBody>
+          <a:bodyPr/>
+          <a:lstStyle/>
+          <a:p>
+            <a:r>
+              <a:rPr lang="en-US" dirty="0" err="1"/>
+              <a:t>AsyncLocal</a:t>
+            </a:r>
+            <a:r>
+              <a:rPr lang="en-US" dirty="0"/>
+              <a:t>: Primary Use Case: Pitfall</a:t>
+            </a:r>
+          </a:p>
+        </p:txBody>
+      </p:sp>
+      <p:sp>
+        <p:nvSpPr>
+          <p:cNvPr id="4" name="Text Placeholder 3">
+            <a:extLst>
+              <a:ext uri="{FF2B5EF4-FFF2-40B4-BE49-F238E27FC236}">
+                <a16:creationId xmlns:a16="http://schemas.microsoft.com/office/drawing/2014/main" id="{55DF523C-7CBA-46DD-7A41-0B1737344545}"/>
+              </a:ext>
+            </a:extLst>
+          </p:cNvPr>
+          <p:cNvSpPr>
+            <a:spLocks noGrp="1"/>
+          </p:cNvSpPr>
+          <p:nvPr>
+            <p:ph type="body" sz="quarter" idx="10"/>
+          </p:nvPr>
+        </p:nvSpPr>
+        <p:spPr>
+          <a:xfrm>
+            <a:off x="269239" y="1197322"/>
+            <a:ext cx="11653522" cy="3918637"/>
+          </a:xfrm>
+        </p:spPr>
+        <p:txBody>
+          <a:bodyPr/>
+          <a:lstStyle/>
+          <a:p>
+            <a:r>
+              <a:rPr lang="en-US" dirty="0"/>
+              <a:t>Exception logging </a:t>
+            </a:r>
+            <a:r>
+              <a:rPr lang="en-US"/>
+              <a:t>missing contextual data.</a:t>
+            </a:r>
+            <a:endParaRPr lang="en-US" dirty="0"/>
+          </a:p>
+          <a:p>
+            <a:pPr marL="457200" indent="-457200">
+              <a:buFontTx/>
+              <a:buChar char="-"/>
+            </a:pPr>
+            <a:endParaRPr lang="en-US" dirty="0"/>
+          </a:p>
+          <a:p>
+            <a:pPr marL="457200" indent="-457200">
+              <a:buFontTx/>
+              <a:buChar char="-"/>
+            </a:pPr>
+            <a:r>
+              <a:rPr lang="en-US" dirty="0"/>
+              <a:t>How does ASP.NET middleware actually work?</a:t>
+            </a:r>
+          </a:p>
+          <a:p>
+            <a:pPr marL="457200" indent="-457200">
+              <a:buFontTx/>
+              <a:buChar char="-"/>
+            </a:pPr>
+            <a:endParaRPr lang="en-US" dirty="0"/>
+          </a:p>
+          <a:p>
+            <a:pPr marL="457200" indent="-457200">
+              <a:buFontTx/>
+              <a:buChar char="-"/>
+            </a:pPr>
+            <a:r>
+              <a:rPr lang="en-US" dirty="0"/>
+              <a:t>How does exception logging middleware work?</a:t>
+            </a:r>
+          </a:p>
+          <a:p>
+            <a:pPr marL="457200" indent="-457200">
+              <a:buFontTx/>
+              <a:buChar char="-"/>
+            </a:pPr>
+            <a:endParaRPr lang="en-US" dirty="0"/>
+          </a:p>
+          <a:p>
+            <a:pPr marL="457200" indent="-457200">
+              <a:buFontTx/>
+              <a:buChar char="-"/>
+            </a:pPr>
+            <a:r>
+              <a:rPr lang="en-US" dirty="0"/>
+              <a:t>Solution: throw context enrichers.</a:t>
+            </a:r>
+          </a:p>
+        </p:txBody>
+      </p:sp>
+    </p:spTree>
+    <p:extLst>
+      <p:ext uri="{BB962C8B-B14F-4D97-AF65-F5344CB8AC3E}">
+        <p14:creationId xmlns:p14="http://schemas.microsoft.com/office/powerpoint/2010/main" val="3421048878"/>
+      </p:ext>
+    </p:extLst>
+  </p:cSld>
+  <p:clrMapOvr>
+    <a:masterClrMapping/>
+  </p:clrMapOvr>
+  <p:transition>
+    <p:fade/>
+  </p:transition>
+</p:sld>
+</file>
+
+<file path=ppt/slides/slide18.xml><?xml version="1.0" encoding="utf-8"?>
+<p:sld xmlns:a="http://schemas.openxmlformats.org/drawingml/2006/main" xmlns:r="http://schemas.openxmlformats.org/officeDocument/2006/relationships" xmlns:p="http://schemas.openxmlformats.org/presentationml/2006/main">
+  <p:cSld>
+    <p:spTree>
+      <p:nvGrpSpPr>
+        <p:cNvPr id="1" name=""/>
+        <p:cNvGrpSpPr/>
+        <p:nvPr/>
+      </p:nvGrpSpPr>
+      <p:grpSpPr>
+        <a:xfrm>
+          <a:off x="0" y="0"/>
+          <a:ext cx="0" cy="0"/>
+          <a:chOff x="0" y="0"/>
+          <a:chExt cx="0" cy="0"/>
+        </a:xfrm>
+      </p:grpSpPr>
+      <p:sp>
+        <p:nvSpPr>
+          <p:cNvPr id="2" name="Title 1">
+            <a:extLst>
+              <a:ext uri="{FF2B5EF4-FFF2-40B4-BE49-F238E27FC236}">
+                <a16:creationId xmlns:a16="http://schemas.microsoft.com/office/drawing/2014/main" id="{47C1EC8D-C869-4A7A-8349-D1F62555E0F7}"/>
+              </a:ext>
+            </a:extLst>
+          </p:cNvPr>
+          <p:cNvSpPr>
+            <a:spLocks noGrp="1"/>
+          </p:cNvSpPr>
+          <p:nvPr>
+            <p:ph type="title"/>
+          </p:nvPr>
+        </p:nvSpPr>
+        <p:spPr/>
+        <p:txBody>
+          <a:bodyPr/>
+          <a:lstStyle/>
+          <a:p>
+            <a:r>
+              <a:rPr lang="en-US" dirty="0"/>
+              <a:t>Channels</a:t>
+            </a:r>
+          </a:p>
+        </p:txBody>
+      </p:sp>
+    </p:spTree>
+    <p:extLst>
+      <p:ext uri="{BB962C8B-B14F-4D97-AF65-F5344CB8AC3E}">
+        <p14:creationId xmlns:p14="http://schemas.microsoft.com/office/powerpoint/2010/main" val="1959425526"/>
+      </p:ext>
+    </p:extLst>
+  </p:cSld>
+  <p:clrMapOvr>
+    <a:masterClrMapping/>
+  </p:clrMapOvr>
+  <p:transition>
+    <p:fade/>
+  </p:transition>
+</p:sld>
+</file>
+
+<file path=ppt/slides/slide19.xml><?xml version="1.0" encoding="utf-8"?>
+<p:sld xmlns:a="http://schemas.openxmlformats.org/drawingml/2006/main" xmlns:r="http://schemas.openxmlformats.org/officeDocument/2006/relationships" xmlns:p="http://schemas.openxmlformats.org/presentationml/2006/main">
+  <p:cSld>
+    <p:spTree>
+      <p:nvGrpSpPr>
+        <p:cNvPr id="1" name=""/>
+        <p:cNvGrpSpPr/>
+        <p:nvPr/>
+      </p:nvGrpSpPr>
+      <p:grpSpPr>
+        <a:xfrm>
+          <a:off x="0" y="0"/>
+          <a:ext cx="0" cy="0"/>
+          <a:chOff x="0" y="0"/>
+          <a:chExt cx="0" cy="0"/>
+        </a:xfrm>
+      </p:grpSpPr>
+      <p:sp>
+        <p:nvSpPr>
+          <p:cNvPr id="3" name="Title 2">
+            <a:extLst>
+              <a:ext uri="{FF2B5EF4-FFF2-40B4-BE49-F238E27FC236}">
+                <a16:creationId xmlns:a16="http://schemas.microsoft.com/office/drawing/2014/main" id="{8760E6F6-B2A0-DA27-7837-0BC636011C7E}"/>
+              </a:ext>
+            </a:extLst>
+          </p:cNvPr>
+          <p:cNvSpPr>
+            <a:spLocks noGrp="1"/>
+          </p:cNvSpPr>
+          <p:nvPr>
+            <p:ph type="title"/>
+          </p:nvPr>
+        </p:nvSpPr>
+        <p:spPr/>
+        <p:txBody>
+          <a:bodyPr/>
+          <a:lstStyle/>
+          <a:p>
+            <a:r>
+              <a:rPr lang="en-US" dirty="0"/>
+              <a:t>Channels: Async Producer/Consumer Queues</a:t>
+            </a:r>
+          </a:p>
+        </p:txBody>
+      </p:sp>
+      <p:sp>
+        <p:nvSpPr>
+          <p:cNvPr id="4" name="Text Placeholder 3">
+            <a:extLst>
+              <a:ext uri="{FF2B5EF4-FFF2-40B4-BE49-F238E27FC236}">
+                <a16:creationId xmlns:a16="http://schemas.microsoft.com/office/drawing/2014/main" id="{7ACEA868-D0A1-A690-FEA1-7512FFD48EC3}"/>
+              </a:ext>
+            </a:extLst>
+          </p:cNvPr>
+          <p:cNvSpPr>
+            <a:spLocks noGrp="1"/>
+          </p:cNvSpPr>
+          <p:nvPr>
+            <p:ph type="body" sz="quarter" idx="10"/>
+          </p:nvPr>
+        </p:nvSpPr>
+        <p:spPr>
+          <a:xfrm>
+            <a:off x="271558" y="1793296"/>
+            <a:ext cx="11653522" cy="3918637"/>
+          </a:xfrm>
+        </p:spPr>
+        <p:txBody>
+          <a:bodyPr/>
+          <a:lstStyle/>
+          <a:p>
+            <a:r>
+              <a:rPr lang="en-US" dirty="0"/>
+              <a:t>Replaces hand-grown or TPL Dataflow.</a:t>
+            </a:r>
+          </a:p>
+          <a:p>
+            <a:endParaRPr lang="en-US" dirty="0"/>
+          </a:p>
+          <a:p>
+            <a:r>
+              <a:rPr lang="en-US" dirty="0"/>
+              <a:t>Consumer: </a:t>
+            </a:r>
+            <a:r>
+              <a:rPr lang="en-US" dirty="0" err="1">
+                <a:latin typeface="Consolas" panose="020B0609020204030204" pitchFamily="49" charset="0"/>
+              </a:rPr>
+              <a:t>ReadAllAsync</a:t>
+            </a:r>
+            <a:r>
+              <a:rPr lang="en-US" dirty="0"/>
+              <a:t>.</a:t>
+            </a:r>
+          </a:p>
+          <a:p>
+            <a:endParaRPr lang="en-US" dirty="0"/>
+          </a:p>
+          <a:p>
+            <a:r>
+              <a:rPr lang="en-US" dirty="0"/>
+              <a:t>Producer: </a:t>
+            </a:r>
+            <a:r>
+              <a:rPr lang="en-US" dirty="0" err="1">
+                <a:latin typeface="Consolas" panose="020B0609020204030204" pitchFamily="49" charset="0"/>
+              </a:rPr>
+              <a:t>WriteAsync</a:t>
+            </a:r>
+            <a:r>
+              <a:rPr lang="en-US" dirty="0"/>
+              <a:t> + </a:t>
+            </a:r>
+            <a:r>
+              <a:rPr lang="en-US" dirty="0">
+                <a:latin typeface="Consolas" panose="020B0609020204030204" pitchFamily="49" charset="0"/>
+              </a:rPr>
+              <a:t>Complete</a:t>
+            </a:r>
+            <a:r>
+              <a:rPr lang="en-US" dirty="0"/>
+              <a:t>.</a:t>
+            </a:r>
+          </a:p>
+          <a:p>
+            <a:endParaRPr lang="en-US" dirty="0"/>
+          </a:p>
+          <a:p>
+            <a:r>
+              <a:rPr lang="en-US" dirty="0"/>
+              <a:t>Bounded for backpressure.</a:t>
+            </a:r>
+          </a:p>
+        </p:txBody>
+      </p:sp>
+    </p:spTree>
+    <p:extLst>
+      <p:ext uri="{BB962C8B-B14F-4D97-AF65-F5344CB8AC3E}">
+        <p14:creationId xmlns:p14="http://schemas.microsoft.com/office/powerpoint/2010/main" val="1667434718"/>
+      </p:ext>
+    </p:extLst>
+  </p:cSld>
+  <p:clrMapOvr>
+    <a:masterClrMapping/>
+  </p:clrMapOvr>
+  <p:transition>
+    <p:fade/>
+  </p:transition>
+</p:sld>
+</file>
+
 <file path=ppt/slides/slide2.xml><?xml version="1.0" encoding="utf-8"?>
 <p:sld xmlns:a="http://schemas.openxmlformats.org/drawingml/2006/main" xmlns:r="http://schemas.openxmlformats.org/officeDocument/2006/relationships" xmlns:p="http://schemas.openxmlformats.org/presentationml/2006/main">
   <p:cSld>
@@ -5636,46 +5646,32 @@
           <a:chExt cx="0" cy="0"/>
         </a:xfrm>
       </p:grpSpPr>
-      <p:pic>
-        <p:nvPicPr>
-          <p:cNvPr id="4" name="Picture 3">
-            <a:extLst>
-              <a:ext uri="{FF2B5EF4-FFF2-40B4-BE49-F238E27FC236}">
-                <a16:creationId xmlns:a16="http://schemas.microsoft.com/office/drawing/2014/main" id="{A085A911-0887-432F-0890-A576182CAD47}"/>
-              </a:ext>
-            </a:extLst>
-          </p:cNvPr>
-          <p:cNvPicPr>
-            <a:picLocks noChangeAspect="1"/>
-          </p:cNvPicPr>
-          <p:nvPr/>
-        </p:nvPicPr>
-        <p:blipFill>
-          <a:blip r:embed="rId2">
-            <a:extLst>
-              <a:ext uri="{28A0092B-C50C-407E-A947-70E740481C1C}">
-                <a14:useLocalDpi xmlns:a14="http://schemas.microsoft.com/office/drawing/2010/main" val="0"/>
-              </a:ext>
-            </a:extLst>
-          </a:blip>
-          <a:stretch>
-            <a:fillRect/>
-          </a:stretch>
-        </p:blipFill>
-        <p:spPr>
-          <a:xfrm>
-            <a:off x="0" y="0"/>
-            <a:ext cx="12192000" cy="6857999"/>
-          </a:xfrm>
-          <a:prstGeom prst="rect">
-            <a:avLst/>
-          </a:prstGeom>
-        </p:spPr>
-      </p:pic>
+      <p:sp>
+        <p:nvSpPr>
+          <p:cNvPr id="4" name="Title 3"/>
+          <p:cNvSpPr>
+            <a:spLocks noGrp="1"/>
+          </p:cNvSpPr>
+          <p:nvPr>
+            <p:ph type="title"/>
+          </p:nvPr>
+        </p:nvSpPr>
+        <p:spPr/>
+        <p:txBody>
+          <a:bodyPr/>
+          <a:lstStyle/>
+          <a:p>
+            <a:r>
+              <a:rPr lang="en-US" dirty="0"/>
+              <a:t>Who is this guy?</a:t>
+            </a:r>
+          </a:p>
+        </p:txBody>
+      </p:sp>
     </p:spTree>
     <p:extLst>
       <p:ext uri="{BB962C8B-B14F-4D97-AF65-F5344CB8AC3E}">
-        <p14:creationId xmlns:p14="http://schemas.microsoft.com/office/powerpoint/2010/main" val="1881015632"/>
+        <p14:creationId xmlns:p14="http://schemas.microsoft.com/office/powerpoint/2010/main" val="223290894"/>
       </p:ext>
     </p:extLst>
   </p:cSld>
@@ -5689,367 +5685,6 @@
 </file>
 
 <file path=ppt/slides/slide20.xml><?xml version="1.0" encoding="utf-8"?>
-<p:sld xmlns:a="http://schemas.openxmlformats.org/drawingml/2006/main" xmlns:r="http://schemas.openxmlformats.org/officeDocument/2006/relationships" xmlns:p="http://schemas.openxmlformats.org/presentationml/2006/main">
-  <p:cSld>
-    <p:spTree>
-      <p:nvGrpSpPr>
-        <p:cNvPr id="1" name=""/>
-        <p:cNvGrpSpPr/>
-        <p:nvPr/>
-      </p:nvGrpSpPr>
-      <p:grpSpPr>
-        <a:xfrm>
-          <a:off x="0" y="0"/>
-          <a:ext cx="0" cy="0"/>
-          <a:chOff x="0" y="0"/>
-          <a:chExt cx="0" cy="0"/>
-        </a:xfrm>
-      </p:grpSpPr>
-      <p:sp>
-        <p:nvSpPr>
-          <p:cNvPr id="3" name="Title 2">
-            <a:extLst>
-              <a:ext uri="{FF2B5EF4-FFF2-40B4-BE49-F238E27FC236}">
-                <a16:creationId xmlns:a16="http://schemas.microsoft.com/office/drawing/2014/main" id="{C8B1BACE-61A4-9E5D-BCE5-61F358F5296A}"/>
-              </a:ext>
-            </a:extLst>
-          </p:cNvPr>
-          <p:cNvSpPr>
-            <a:spLocks noGrp="1"/>
-          </p:cNvSpPr>
-          <p:nvPr>
-            <p:ph type="title"/>
-          </p:nvPr>
-        </p:nvSpPr>
-        <p:spPr/>
-        <p:txBody>
-          <a:bodyPr/>
-          <a:lstStyle/>
-          <a:p>
-            <a:r>
-              <a:rPr lang="en-US" dirty="0" err="1"/>
-              <a:t>AsyncLocal</a:t>
-            </a:r>
-            <a:r>
-              <a:rPr lang="en-US" dirty="0"/>
-              <a:t>: Primary Use Case: Pitfall</a:t>
-            </a:r>
-          </a:p>
-        </p:txBody>
-      </p:sp>
-      <p:sp>
-        <p:nvSpPr>
-          <p:cNvPr id="4" name="Text Placeholder 3">
-            <a:extLst>
-              <a:ext uri="{FF2B5EF4-FFF2-40B4-BE49-F238E27FC236}">
-                <a16:creationId xmlns:a16="http://schemas.microsoft.com/office/drawing/2014/main" id="{55DF523C-7CBA-46DD-7A41-0B1737344545}"/>
-              </a:ext>
-            </a:extLst>
-          </p:cNvPr>
-          <p:cNvSpPr>
-            <a:spLocks noGrp="1"/>
-          </p:cNvSpPr>
-          <p:nvPr>
-            <p:ph type="body" sz="quarter" idx="10"/>
-          </p:nvPr>
-        </p:nvSpPr>
-        <p:spPr>
-          <a:xfrm>
-            <a:off x="269239" y="1197322"/>
-            <a:ext cx="11653522" cy="3918637"/>
-          </a:xfrm>
-        </p:spPr>
-        <p:txBody>
-          <a:bodyPr/>
-          <a:lstStyle/>
-          <a:p>
-            <a:r>
-              <a:rPr lang="en-US" dirty="0"/>
-              <a:t>Exception logging.</a:t>
-            </a:r>
-          </a:p>
-          <a:p>
-            <a:pPr marL="457200" indent="-457200">
-              <a:buFontTx/>
-              <a:buChar char="-"/>
-            </a:pPr>
-            <a:endParaRPr lang="en-US" dirty="0"/>
-          </a:p>
-          <a:p>
-            <a:pPr marL="457200" indent="-457200">
-              <a:buFontTx/>
-              <a:buChar char="-"/>
-            </a:pPr>
-            <a:r>
-              <a:rPr lang="en-US" dirty="0"/>
-              <a:t>How does ASP.NET middleware actually work?</a:t>
-            </a:r>
-          </a:p>
-          <a:p>
-            <a:pPr marL="457200" indent="-457200">
-              <a:buFontTx/>
-              <a:buChar char="-"/>
-            </a:pPr>
-            <a:endParaRPr lang="en-US" dirty="0"/>
-          </a:p>
-          <a:p>
-            <a:pPr marL="457200" indent="-457200">
-              <a:buFontTx/>
-              <a:buChar char="-"/>
-            </a:pPr>
-            <a:r>
-              <a:rPr lang="en-US" dirty="0"/>
-              <a:t>How does exception logging middleware work?</a:t>
-            </a:r>
-          </a:p>
-          <a:p>
-            <a:pPr marL="457200" indent="-457200">
-              <a:buFontTx/>
-              <a:buChar char="-"/>
-            </a:pPr>
-            <a:endParaRPr lang="en-US" dirty="0"/>
-          </a:p>
-          <a:p>
-            <a:pPr marL="457200" indent="-457200">
-              <a:buFontTx/>
-              <a:buChar char="-"/>
-            </a:pPr>
-            <a:r>
-              <a:rPr lang="en-US" dirty="0"/>
-              <a:t>Solution: throw context enrichers.</a:t>
-            </a:r>
-          </a:p>
-        </p:txBody>
-      </p:sp>
-    </p:spTree>
-    <p:extLst>
-      <p:ext uri="{BB962C8B-B14F-4D97-AF65-F5344CB8AC3E}">
-        <p14:creationId xmlns:p14="http://schemas.microsoft.com/office/powerpoint/2010/main" val="3421048878"/>
-      </p:ext>
-    </p:extLst>
-  </p:cSld>
-  <p:clrMapOvr>
-    <a:masterClrMapping/>
-  </p:clrMapOvr>
-  <p:transition>
-    <p:fade/>
-  </p:transition>
-</p:sld>
-</file>
-
-<file path=ppt/slides/slide21.xml><?xml version="1.0" encoding="utf-8"?>
-<p:sld xmlns:a="http://schemas.openxmlformats.org/drawingml/2006/main" xmlns:r="http://schemas.openxmlformats.org/officeDocument/2006/relationships" xmlns:p="http://schemas.openxmlformats.org/presentationml/2006/main">
-  <p:cSld>
-    <p:spTree>
-      <p:nvGrpSpPr>
-        <p:cNvPr id="1" name=""/>
-        <p:cNvGrpSpPr/>
-        <p:nvPr/>
-      </p:nvGrpSpPr>
-      <p:grpSpPr>
-        <a:xfrm>
-          <a:off x="0" y="0"/>
-          <a:ext cx="0" cy="0"/>
-          <a:chOff x="0" y="0"/>
-          <a:chExt cx="0" cy="0"/>
-        </a:xfrm>
-      </p:grpSpPr>
-      <p:sp>
-        <p:nvSpPr>
-          <p:cNvPr id="2" name="Title 1">
-            <a:extLst>
-              <a:ext uri="{FF2B5EF4-FFF2-40B4-BE49-F238E27FC236}">
-                <a16:creationId xmlns:a16="http://schemas.microsoft.com/office/drawing/2014/main" id="{47C1EC8D-C869-4A7A-8349-D1F62555E0F7}"/>
-              </a:ext>
-            </a:extLst>
-          </p:cNvPr>
-          <p:cNvSpPr>
-            <a:spLocks noGrp="1"/>
-          </p:cNvSpPr>
-          <p:nvPr>
-            <p:ph type="title"/>
-          </p:nvPr>
-        </p:nvSpPr>
-        <p:spPr/>
-        <p:txBody>
-          <a:bodyPr/>
-          <a:lstStyle/>
-          <a:p>
-            <a:r>
-              <a:rPr lang="en-US" dirty="0"/>
-              <a:t>Channels</a:t>
-            </a:r>
-          </a:p>
-        </p:txBody>
-      </p:sp>
-    </p:spTree>
-    <p:extLst>
-      <p:ext uri="{BB962C8B-B14F-4D97-AF65-F5344CB8AC3E}">
-        <p14:creationId xmlns:p14="http://schemas.microsoft.com/office/powerpoint/2010/main" val="1959425526"/>
-      </p:ext>
-    </p:extLst>
-  </p:cSld>
-  <p:clrMapOvr>
-    <a:masterClrMapping/>
-  </p:clrMapOvr>
-  <p:transition>
-    <p:fade/>
-  </p:transition>
-</p:sld>
-</file>
-
-<file path=ppt/slides/slide22.xml><?xml version="1.0" encoding="utf-8"?>
-<p:sld xmlns:a="http://schemas.openxmlformats.org/drawingml/2006/main" xmlns:r="http://schemas.openxmlformats.org/officeDocument/2006/relationships" xmlns:p="http://schemas.openxmlformats.org/presentationml/2006/main">
-  <p:cSld>
-    <p:spTree>
-      <p:nvGrpSpPr>
-        <p:cNvPr id="1" name=""/>
-        <p:cNvGrpSpPr/>
-        <p:nvPr/>
-      </p:nvGrpSpPr>
-      <p:grpSpPr>
-        <a:xfrm>
-          <a:off x="0" y="0"/>
-          <a:ext cx="0" cy="0"/>
-          <a:chOff x="0" y="0"/>
-          <a:chExt cx="0" cy="0"/>
-        </a:xfrm>
-      </p:grpSpPr>
-      <p:sp>
-        <p:nvSpPr>
-          <p:cNvPr id="3" name="Title 2">
-            <a:extLst>
-              <a:ext uri="{FF2B5EF4-FFF2-40B4-BE49-F238E27FC236}">
-                <a16:creationId xmlns:a16="http://schemas.microsoft.com/office/drawing/2014/main" id="{8760E6F6-B2A0-DA27-7837-0BC636011C7E}"/>
-              </a:ext>
-            </a:extLst>
-          </p:cNvPr>
-          <p:cNvSpPr>
-            <a:spLocks noGrp="1"/>
-          </p:cNvSpPr>
-          <p:nvPr>
-            <p:ph type="title"/>
-          </p:nvPr>
-        </p:nvSpPr>
-        <p:spPr/>
-        <p:txBody>
-          <a:bodyPr/>
-          <a:lstStyle/>
-          <a:p>
-            <a:r>
-              <a:rPr lang="en-US" dirty="0"/>
-              <a:t>Channels: Async Producer/Consumer Queues</a:t>
-            </a:r>
-          </a:p>
-        </p:txBody>
-      </p:sp>
-      <p:sp>
-        <p:nvSpPr>
-          <p:cNvPr id="4" name="Text Placeholder 3">
-            <a:extLst>
-              <a:ext uri="{FF2B5EF4-FFF2-40B4-BE49-F238E27FC236}">
-                <a16:creationId xmlns:a16="http://schemas.microsoft.com/office/drawing/2014/main" id="{7ACEA868-D0A1-A690-FEA1-7512FFD48EC3}"/>
-              </a:ext>
-            </a:extLst>
-          </p:cNvPr>
-          <p:cNvSpPr>
-            <a:spLocks noGrp="1"/>
-          </p:cNvSpPr>
-          <p:nvPr>
-            <p:ph type="body" sz="quarter" idx="10"/>
-          </p:nvPr>
-        </p:nvSpPr>
-        <p:spPr>
-          <a:xfrm>
-            <a:off x="271558" y="1793296"/>
-            <a:ext cx="11653522" cy="3918637"/>
-          </a:xfrm>
-        </p:spPr>
-        <p:txBody>
-          <a:bodyPr/>
-          <a:lstStyle/>
-          <a:p>
-            <a:r>
-              <a:rPr lang="en-US" dirty="0"/>
-              <a:t>Replaces hand-grown or TPL Dataflow.</a:t>
-            </a:r>
-          </a:p>
-          <a:p>
-            <a:endParaRPr lang="en-US" dirty="0"/>
-          </a:p>
-          <a:p>
-            <a:r>
-              <a:rPr lang="en-US" dirty="0"/>
-              <a:t>Consumer: </a:t>
-            </a:r>
-            <a:r>
-              <a:rPr lang="en-US" dirty="0" err="1">
-                <a:latin typeface="Consolas" panose="020B0609020204030204" pitchFamily="49" charset="0"/>
-              </a:rPr>
-              <a:t>ReadAllAsync</a:t>
-            </a:r>
-            <a:r>
-              <a:rPr lang="en-US" dirty="0"/>
-              <a:t>.</a:t>
-            </a:r>
-          </a:p>
-          <a:p>
-            <a:endParaRPr lang="en-US" dirty="0"/>
-          </a:p>
-          <a:p>
-            <a:r>
-              <a:rPr lang="en-US" dirty="0"/>
-              <a:t>Producer: </a:t>
-            </a:r>
-            <a:r>
-              <a:rPr lang="en-US" dirty="0" err="1">
-                <a:latin typeface="Consolas" panose="020B0609020204030204" pitchFamily="49" charset="0"/>
-              </a:rPr>
-              <a:t>WriteAsync</a:t>
-            </a:r>
-            <a:r>
-              <a:rPr lang="en-US" dirty="0"/>
-              <a:t> + </a:t>
-            </a:r>
-            <a:r>
-              <a:rPr lang="en-US" dirty="0">
-                <a:latin typeface="Consolas" panose="020B0609020204030204" pitchFamily="49" charset="0"/>
-              </a:rPr>
-              <a:t>Complete</a:t>
-            </a:r>
-            <a:r>
-              <a:rPr lang="en-US" dirty="0"/>
-              <a:t>.</a:t>
-            </a:r>
-          </a:p>
-          <a:p>
-            <a:endParaRPr lang="en-US" dirty="0"/>
-          </a:p>
-          <a:p>
-            <a:r>
-              <a:rPr lang="en-US" dirty="0"/>
-              <a:t>Bounded for backpressure.</a:t>
-            </a:r>
-          </a:p>
-        </p:txBody>
-      </p:sp>
-    </p:spTree>
-    <p:extLst>
-      <p:ext uri="{BB962C8B-B14F-4D97-AF65-F5344CB8AC3E}">
-        <p14:creationId xmlns:p14="http://schemas.microsoft.com/office/powerpoint/2010/main" val="1667434718"/>
-      </p:ext>
-    </p:extLst>
-  </p:cSld>
-  <p:clrMapOvr>
-    <a:masterClrMapping/>
-  </p:clrMapOvr>
-  <p:transition>
-    <p:fade/>
-  </p:transition>
-</p:sld>
-</file>
-
-<file path=ppt/slides/slide23.xml><?xml version="1.0" encoding="utf-8"?>
 <p:sld xmlns:a="http://schemas.openxmlformats.org/drawingml/2006/main" xmlns:r="http://schemas.openxmlformats.org/officeDocument/2006/relationships" xmlns:p="http://schemas.openxmlformats.org/presentationml/2006/main">
   <p:cSld>
     <p:spTree>
@@ -6088,14 +5723,13 @@
               </a:ext>
             </a:extLst>
           </a:blip>
-          <a:stretch>
-            <a:fillRect/>
-          </a:stretch>
+          <a:srcRect/>
+          <a:stretch/>
         </p:blipFill>
         <p:spPr>
           <a:xfrm>
-            <a:off x="0" y="0"/>
-            <a:ext cx="12192000" cy="6857999"/>
+            <a:off x="1524001" y="0"/>
+            <a:ext cx="9143997" cy="6857999"/>
           </a:xfrm>
           <a:prstGeom prst="rect">
             <a:avLst/>
@@ -6118,7 +5752,7 @@
 </p:sld>
 </file>
 
-<file path=ppt/slides/slide24.xml><?xml version="1.0" encoding="utf-8"?>
+<file path=ppt/slides/slide21.xml><?xml version="1.0" encoding="utf-8"?>
 <p:sld xmlns:a="http://schemas.openxmlformats.org/drawingml/2006/main" xmlns:r="http://schemas.openxmlformats.org/officeDocument/2006/relationships" xmlns:p="http://schemas.openxmlformats.org/presentationml/2006/main">
   <p:cSld>
     <p:spTree>
@@ -6180,7 +5814,7 @@
 </p:sld>
 </file>
 
-<file path=ppt/slides/slide25.xml><?xml version="1.0" encoding="utf-8"?>
+<file path=ppt/slides/slide22.xml><?xml version="1.0" encoding="utf-8"?>
 <p:sld xmlns:a="http://schemas.openxmlformats.org/drawingml/2006/main" xmlns:r="http://schemas.openxmlformats.org/officeDocument/2006/relationships" xmlns:p="http://schemas.openxmlformats.org/presentationml/2006/main">
   <p:cSld>
     <p:spTree>
@@ -6355,7 +5989,7 @@
 </p:sld>
 </file>
 
-<file path=ppt/slides/slide26.xml><?xml version="1.0" encoding="utf-8"?>
+<file path=ppt/slides/slide23.xml><?xml version="1.0" encoding="utf-8"?>
 <p:sld xmlns:a="http://schemas.openxmlformats.org/drawingml/2006/main" xmlns:r="http://schemas.openxmlformats.org/officeDocument/2006/relationships" xmlns:p="http://schemas.openxmlformats.org/presentationml/2006/main">
   <p:cSld>
     <p:spTree>
@@ -6531,7 +6165,7 @@
 </p:sld>
 </file>
 
-<file path=ppt/slides/slide27.xml><?xml version="1.0" encoding="utf-8"?>
+<file path=ppt/slides/slide24.xml><?xml version="1.0" encoding="utf-8"?>
 <p:sld xmlns:a="http://schemas.openxmlformats.org/drawingml/2006/main" xmlns:r="http://schemas.openxmlformats.org/officeDocument/2006/relationships" xmlns:p="http://schemas.openxmlformats.org/presentationml/2006/main">
   <p:cSld>
     <p:spTree>
@@ -6831,7 +6465,7 @@
 </p:sld>
 </file>
 
-<file path=ppt/slides/slide28.xml><?xml version="1.0" encoding="utf-8"?>
+<file path=ppt/slides/slide25.xml><?xml version="1.0" encoding="utf-8"?>
 <p:sld xmlns:a="http://schemas.openxmlformats.org/drawingml/2006/main" xmlns:r="http://schemas.openxmlformats.org/officeDocument/2006/relationships" xmlns:p="http://schemas.openxmlformats.org/presentationml/2006/main">
   <p:cSld>
     <p:spTree>
@@ -6870,14 +6504,13 @@
               </a:ext>
             </a:extLst>
           </a:blip>
-          <a:stretch>
-            <a:fillRect/>
-          </a:stretch>
+          <a:srcRect/>
+          <a:stretch/>
         </p:blipFill>
         <p:spPr>
           <a:xfrm>
-            <a:off x="0" y="0"/>
-            <a:ext cx="12192000" cy="6857999"/>
+            <a:off x="1524001" y="0"/>
+            <a:ext cx="9143997" cy="6857999"/>
           </a:xfrm>
           <a:prstGeom prst="rect">
             <a:avLst/>
@@ -6900,7 +6533,7 @@
 </p:sld>
 </file>
 
-<file path=ppt/slides/slide29.xml><?xml version="1.0" encoding="utf-8"?>
+<file path=ppt/slides/slide26.xml><?xml version="1.0" encoding="utf-8"?>
 <p:sld xmlns:a="http://schemas.openxmlformats.org/drawingml/2006/main" xmlns:r="http://schemas.openxmlformats.org/officeDocument/2006/relationships" xmlns:p="http://schemas.openxmlformats.org/presentationml/2006/main">
   <p:cSld>
     <p:spTree>
@@ -7064,7 +6697,7 @@
 </p:sld>
 </file>
 
-<file path=ppt/slides/slide3.xml><?xml version="1.0" encoding="utf-8"?>
+<file path=ppt/slides/slide27.xml><?xml version="1.0" encoding="utf-8"?>
 <p:sld xmlns:a="http://schemas.openxmlformats.org/drawingml/2006/main" xmlns:r="http://schemas.openxmlformats.org/officeDocument/2006/relationships" xmlns:p="http://schemas.openxmlformats.org/presentationml/2006/main">
   <p:cSld>
     <p:spTree>
@@ -7081,46 +6714,38 @@
           <a:chExt cx="0" cy="0"/>
         </a:xfrm>
       </p:grpSpPr>
-      <p:pic>
-        <p:nvPicPr>
-          <p:cNvPr id="3" name="Picture 2">
+      <p:sp>
+        <p:nvSpPr>
+          <p:cNvPr id="2" name="Title 1">
             <a:extLst>
               <a:ext uri="{FF2B5EF4-FFF2-40B4-BE49-F238E27FC236}">
-                <a16:creationId xmlns:a16="http://schemas.microsoft.com/office/drawing/2014/main" id="{80F15D49-75BF-F7E2-C644-28DDFCAF3F70}"/>
+                <a16:creationId xmlns:a16="http://schemas.microsoft.com/office/drawing/2014/main" id="{47C1EC8D-C869-4A7A-8349-D1F62555E0F7}"/>
               </a:ext>
             </a:extLst>
           </p:cNvPr>
-          <p:cNvPicPr>
-            <a:picLocks noChangeAspect="1"/>
-          </p:cNvPicPr>
-          <p:nvPr/>
-        </p:nvPicPr>
-        <p:blipFill>
-          <a:blip r:embed="rId2">
-            <a:extLst>
-              <a:ext uri="{28A0092B-C50C-407E-A947-70E740481C1C}">
-                <a14:useLocalDpi xmlns:a14="http://schemas.microsoft.com/office/drawing/2010/main" val="0"/>
-              </a:ext>
-            </a:extLst>
-          </a:blip>
-          <a:stretch>
-            <a:fillRect/>
-          </a:stretch>
-        </p:blipFill>
-        <p:spPr>
-          <a:xfrm>
-            <a:off x="0" y="0"/>
-            <a:ext cx="12192000" cy="6857999"/>
-          </a:xfrm>
-          <a:prstGeom prst="rect">
-            <a:avLst/>
-          </a:prstGeom>
-        </p:spPr>
-      </p:pic>
+          <p:cNvSpPr>
+            <a:spLocks noGrp="1"/>
+          </p:cNvSpPr>
+          <p:nvPr>
+            <p:ph type="title"/>
+          </p:nvPr>
+        </p:nvSpPr>
+        <p:spPr/>
+        <p:txBody>
+          <a:bodyPr/>
+          <a:lstStyle/>
+          <a:p>
+            <a:r>
+              <a:rPr lang="en-US" dirty="0"/>
+              <a:t>TCS Dictionary</a:t>
+            </a:r>
+          </a:p>
+        </p:txBody>
+      </p:sp>
     </p:spTree>
     <p:extLst>
       <p:ext uri="{BB962C8B-B14F-4D97-AF65-F5344CB8AC3E}">
-        <p14:creationId xmlns:p14="http://schemas.microsoft.com/office/powerpoint/2010/main" val="614112995"/>
+        <p14:creationId xmlns:p14="http://schemas.microsoft.com/office/powerpoint/2010/main" val="3461717117"/>
       </p:ext>
     </p:extLst>
   </p:cSld>
@@ -7133,7 +6758,7 @@
 </p:sld>
 </file>
 
-<file path=ppt/slides/slide30.xml><?xml version="1.0" encoding="utf-8"?>
+<file path=ppt/slides/slide28.xml><?xml version="1.0" encoding="utf-8"?>
 <p:sld xmlns:a="http://schemas.openxmlformats.org/drawingml/2006/main" xmlns:r="http://schemas.openxmlformats.org/officeDocument/2006/relationships" xmlns:p="http://schemas.openxmlformats.org/presentationml/2006/main">
   <p:cSld>
     <p:spTree>
@@ -7152,67 +6777,6 @@
       </p:grpSpPr>
       <p:sp>
         <p:nvSpPr>
-          <p:cNvPr id="2" name="Title 1">
-            <a:extLst>
-              <a:ext uri="{FF2B5EF4-FFF2-40B4-BE49-F238E27FC236}">
-                <a16:creationId xmlns:a16="http://schemas.microsoft.com/office/drawing/2014/main" id="{47C1EC8D-C869-4A7A-8349-D1F62555E0F7}"/>
-              </a:ext>
-            </a:extLst>
-          </p:cNvPr>
-          <p:cNvSpPr>
-            <a:spLocks noGrp="1"/>
-          </p:cNvSpPr>
-          <p:nvPr>
-            <p:ph type="title"/>
-          </p:nvPr>
-        </p:nvSpPr>
-        <p:spPr/>
-        <p:txBody>
-          <a:bodyPr/>
-          <a:lstStyle/>
-          <a:p>
-            <a:r>
-              <a:rPr lang="en-US" dirty="0"/>
-              <a:t>TCS Dictionary</a:t>
-            </a:r>
-          </a:p>
-        </p:txBody>
-      </p:sp>
-    </p:spTree>
-    <p:extLst>
-      <p:ext uri="{BB962C8B-B14F-4D97-AF65-F5344CB8AC3E}">
-        <p14:creationId xmlns:p14="http://schemas.microsoft.com/office/powerpoint/2010/main" val="3461717117"/>
-      </p:ext>
-    </p:extLst>
-  </p:cSld>
-  <p:clrMapOvr>
-    <a:masterClrMapping/>
-  </p:clrMapOvr>
-  <p:transition>
-    <p:fade/>
-  </p:transition>
-</p:sld>
-</file>
-
-<file path=ppt/slides/slide31.xml><?xml version="1.0" encoding="utf-8"?>
-<p:sld xmlns:a="http://schemas.openxmlformats.org/drawingml/2006/main" xmlns:r="http://schemas.openxmlformats.org/officeDocument/2006/relationships" xmlns:p="http://schemas.openxmlformats.org/presentationml/2006/main">
-  <p:cSld>
-    <p:spTree>
-      <p:nvGrpSpPr>
-        <p:cNvPr id="1" name=""/>
-        <p:cNvGrpSpPr/>
-        <p:nvPr/>
-      </p:nvGrpSpPr>
-      <p:grpSpPr>
-        <a:xfrm>
-          <a:off x="0" y="0"/>
-          <a:ext cx="0" cy="0"/>
-          <a:chOff x="0" y="0"/>
-          <a:chExt cx="0" cy="0"/>
-        </a:xfrm>
-      </p:grpSpPr>
-      <p:sp>
-        <p:nvSpPr>
           <p:cNvPr id="3" name="Title 2">
             <a:extLst>
               <a:ext uri="{FF2B5EF4-FFF2-40B4-BE49-F238E27FC236}">
@@ -7315,7 +6879,7 @@
 </p:sld>
 </file>
 
-<file path=ppt/slides/slide32.xml><?xml version="1.0" encoding="utf-8"?>
+<file path=ppt/slides/slide29.xml><?xml version="1.0" encoding="utf-8"?>
 <p:sld xmlns:a="http://schemas.openxmlformats.org/drawingml/2006/main" xmlns:r="http://schemas.openxmlformats.org/officeDocument/2006/relationships" xmlns:p="http://schemas.openxmlformats.org/presentationml/2006/main">
   <p:cSld>
     <p:spTree>
@@ -7354,14 +6918,13 @@
               </a:ext>
             </a:extLst>
           </a:blip>
-          <a:stretch>
-            <a:fillRect/>
-          </a:stretch>
+          <a:srcRect/>
+          <a:stretch/>
         </p:blipFill>
         <p:spPr>
           <a:xfrm>
-            <a:off x="0" y="0"/>
-            <a:ext cx="12192000" cy="6857999"/>
+            <a:off x="1524001" y="0"/>
+            <a:ext cx="9143997" cy="6857999"/>
           </a:xfrm>
           <a:prstGeom prst="rect">
             <a:avLst/>
@@ -7384,7 +6947,69 @@
 </p:sld>
 </file>
 
-<file path=ppt/slides/slide33.xml><?xml version="1.0" encoding="utf-8"?>
+<file path=ppt/slides/slide3.xml><?xml version="1.0" encoding="utf-8"?>
+<p:sld xmlns:a="http://schemas.openxmlformats.org/drawingml/2006/main" xmlns:r="http://schemas.openxmlformats.org/officeDocument/2006/relationships" xmlns:p="http://schemas.openxmlformats.org/presentationml/2006/main" showMasterSp="0">
+  <p:cSld>
+    <p:spTree>
+      <p:nvGrpSpPr>
+        <p:cNvPr id="1" name=""/>
+        <p:cNvGrpSpPr/>
+        <p:nvPr/>
+      </p:nvGrpSpPr>
+      <p:grpSpPr>
+        <a:xfrm>
+          <a:off x="0" y="0"/>
+          <a:ext cx="0" cy="0"/>
+          <a:chOff x="0" y="0"/>
+          <a:chExt cx="0" cy="0"/>
+        </a:xfrm>
+      </p:grpSpPr>
+      <p:pic>
+        <p:nvPicPr>
+          <p:cNvPr id="4" name="Picture 3"/>
+          <p:cNvPicPr>
+            <a:picLocks noChangeAspect="1"/>
+          </p:cNvPicPr>
+          <p:nvPr/>
+        </p:nvPicPr>
+        <p:blipFill>
+          <a:blip r:embed="rId2">
+            <a:extLst>
+              <a:ext uri="{28A0092B-C50C-407E-A947-70E740481C1C}">
+                <a14:useLocalDpi xmlns:a14="http://schemas.microsoft.com/office/drawing/2010/main" val="0"/>
+              </a:ext>
+            </a:extLst>
+          </a:blip>
+          <a:srcRect/>
+          <a:stretch/>
+        </p:blipFill>
+        <p:spPr>
+          <a:xfrm>
+            <a:off x="3483428" y="0"/>
+            <a:ext cx="5225142" cy="6858000"/>
+          </a:xfrm>
+          <a:prstGeom prst="rect">
+            <a:avLst/>
+          </a:prstGeom>
+        </p:spPr>
+      </p:pic>
+    </p:spTree>
+    <p:extLst>
+      <p:ext uri="{BB962C8B-B14F-4D97-AF65-F5344CB8AC3E}">
+        <p14:creationId xmlns:p14="http://schemas.microsoft.com/office/powerpoint/2010/main" val="393857517"/>
+      </p:ext>
+    </p:extLst>
+  </p:cSld>
+  <p:clrMapOvr>
+    <a:masterClrMapping/>
+  </p:clrMapOvr>
+  <p:transition>
+    <p:fade/>
+  </p:transition>
+</p:sld>
+</file>
+
+<file path=ppt/slides/slide30.xml><?xml version="1.0" encoding="utf-8"?>
 <p:sld xmlns:a="http://schemas.openxmlformats.org/drawingml/2006/main" xmlns:r="http://schemas.openxmlformats.org/officeDocument/2006/relationships" xmlns:p="http://schemas.openxmlformats.org/presentationml/2006/main">
   <p:cSld>
     <p:spTree>
@@ -7568,7 +7193,7 @@
 </p:sld>
 </file>
 
-<file path=ppt/slides/slide34.xml><?xml version="1.0" encoding="utf-8"?>
+<file path=ppt/slides/slide31.xml><?xml version="1.0" encoding="utf-8"?>
 <p:sld xmlns:a="http://schemas.openxmlformats.org/drawingml/2006/main" xmlns:r="http://schemas.openxmlformats.org/officeDocument/2006/relationships" xmlns:p="http://schemas.openxmlformats.org/presentationml/2006/main">
   <p:cSld>
     <p:spTree>
@@ -7633,7 +7258,7 @@
 </p:sld>
 </file>
 
-<file path=ppt/slides/slide35.xml><?xml version="1.0" encoding="utf-8"?>
+<file path=ppt/slides/slide32.xml><?xml version="1.0" encoding="utf-8"?>
 <p:sld xmlns:a="http://schemas.openxmlformats.org/drawingml/2006/main" xmlns:r="http://schemas.openxmlformats.org/officeDocument/2006/relationships" xmlns:p="http://schemas.openxmlformats.org/presentationml/2006/main">
   <p:cSld>
     <p:spTree>
@@ -7750,21 +7375,20 @@
           <p:nvPr/>
         </p:nvPicPr>
         <p:blipFill>
-          <a:blip r:embed="rId3" cstate="print">
+          <a:blip r:embed="rId3">
             <a:extLst>
               <a:ext uri="{28A0092B-C50C-407E-A947-70E740481C1C}">
                 <a14:useLocalDpi xmlns:a14="http://schemas.microsoft.com/office/drawing/2010/main" val="0"/>
               </a:ext>
             </a:extLst>
           </a:blip>
-          <a:stretch>
-            <a:fillRect/>
-          </a:stretch>
+          <a:srcRect/>
+          <a:stretch/>
         </p:blipFill>
         <p:spPr>
           <a:xfrm>
-            <a:off x="3902107" y="2554015"/>
-            <a:ext cx="4387786" cy="2467842"/>
+            <a:off x="4450772" y="2554015"/>
+            <a:ext cx="3290455" cy="2467842"/>
           </a:xfrm>
           <a:prstGeom prst="rect">
             <a:avLst/>
@@ -7790,7 +7414,7 @@
 </p:sld>
 </file>
 
-<file path=ppt/slides/slide36.xml><?xml version="1.0" encoding="utf-8"?>
+<file path=ppt/slides/slide33.xml><?xml version="1.0" encoding="utf-8"?>
 <p:sld xmlns:a="http://schemas.openxmlformats.org/drawingml/2006/main" xmlns:r="http://schemas.openxmlformats.org/officeDocument/2006/relationships" xmlns:p="http://schemas.openxmlformats.org/presentationml/2006/main">
   <p:cSld>
     <p:spTree>
@@ -7858,7 +7482,7 @@
         <p:spPr>
           <a:xfrm>
             <a:off x="269239" y="1197322"/>
-            <a:ext cx="11653522" cy="3619837"/>
+            <a:ext cx="11653522" cy="4167488"/>
           </a:xfrm>
         </p:spPr>
         <p:txBody>
@@ -7888,6 +7512,16 @@
             <a:r>
               <a:rPr lang="en-US" dirty="0"/>
               <a:t>Exceptions are cached.</a:t>
+            </a:r>
+          </a:p>
+          <a:p>
+            <a:pPr marL="796926" lvl="1" indent="-457200">
+              <a:buFontTx/>
+              <a:buChar char="-"/>
+            </a:pPr>
+            <a:r>
+              <a:rPr lang="en-US" dirty="0"/>
+              <a:t>(Non-async) Lazy&lt;T&gt; is weird here, too.</a:t>
             </a:r>
           </a:p>
           <a:p>
@@ -7992,7 +7626,7 @@
 </p:sld>
 </file>
 
-<file path=ppt/slides/slide37.xml><?xml version="1.0" encoding="utf-8"?>
+<file path=ppt/slides/slide34.xml><?xml version="1.0" encoding="utf-8"?>
 <p:sld xmlns:a="http://schemas.openxmlformats.org/drawingml/2006/main" xmlns:r="http://schemas.openxmlformats.org/officeDocument/2006/relationships" xmlns:p="http://schemas.openxmlformats.org/presentationml/2006/main">
   <p:cSld>
     <p:spTree>
@@ -8053,7 +7687,7 @@
 </p:sld>
 </file>
 
-<file path=ppt/slides/slide38.xml><?xml version="1.0" encoding="utf-8"?>
+<file path=ppt/slides/slide35.xml><?xml version="1.0" encoding="utf-8"?>
 <p:sld xmlns:a="http://schemas.openxmlformats.org/drawingml/2006/main" xmlns:r="http://schemas.openxmlformats.org/officeDocument/2006/relationships" xmlns:p="http://schemas.openxmlformats.org/presentationml/2006/main">
   <p:cSld>
     <p:spTree>
@@ -8345,7 +7979,7 @@
 </p:sld>
 </file>
 
-<file path=ppt/slides/slide39.xml><?xml version="1.0" encoding="utf-8"?>
+<file path=ppt/slides/slide36.xml><?xml version="1.0" encoding="utf-8"?>
 <p:sld xmlns:a="http://schemas.openxmlformats.org/drawingml/2006/main" xmlns:r="http://schemas.openxmlformats.org/officeDocument/2006/relationships" xmlns:p="http://schemas.openxmlformats.org/presentationml/2006/main">
   <p:cSld>
     <p:spTree>
@@ -8419,7 +8053,13 @@
       </p:grpSpPr>
       <p:sp>
         <p:nvSpPr>
-          <p:cNvPr id="4" name="Title 3"/>
+          <p:cNvPr id="2" name="Title 1">
+            <a:extLst>
+              <a:ext uri="{FF2B5EF4-FFF2-40B4-BE49-F238E27FC236}">
+                <a16:creationId xmlns:a16="http://schemas.microsoft.com/office/drawing/2014/main" id="{47C1EC8D-C869-4A7A-8349-D1F62555E0F7}"/>
+              </a:ext>
+            </a:extLst>
+          </p:cNvPr>
           <p:cNvSpPr>
             <a:spLocks noGrp="1"/>
           </p:cNvSpPr>
@@ -8433,16 +8073,17 @@
           <a:lstStyle/>
           <a:p>
             <a:r>
-              <a:rPr lang="en-US" dirty="0"/>
-              <a:t>Who is this guy?</a:t>
-            </a:r>
+              <a:rPr lang="en-US" dirty="0" err="1"/>
+              <a:t>ValueTask</a:t>
+            </a:r>
+            <a:endParaRPr lang="en-US" dirty="0"/>
           </a:p>
         </p:txBody>
       </p:sp>
     </p:spTree>
     <p:extLst>
       <p:ext uri="{BB962C8B-B14F-4D97-AF65-F5344CB8AC3E}">
-        <p14:creationId xmlns:p14="http://schemas.microsoft.com/office/powerpoint/2010/main" val="223290894"/>
+        <p14:creationId xmlns:p14="http://schemas.microsoft.com/office/powerpoint/2010/main" val="721164489"/>
       </p:ext>
     </p:extLst>
   </p:cSld>
@@ -8455,7 +8096,7 @@
 </p:sld>
 </file>
 
-<file path=ppt/slides/slide40.xml><?xml version="1.0" encoding="utf-8"?>
+<file path=ppt/slides/slide5.xml><?xml version="1.0" encoding="utf-8"?>
 <p:sld xmlns:a="http://schemas.openxmlformats.org/drawingml/2006/main" xmlns:r="http://schemas.openxmlformats.org/officeDocument/2006/relationships" xmlns:p="http://schemas.openxmlformats.org/presentationml/2006/main">
   <p:cSld>
     <p:spTree>
@@ -8472,466 +8113,6 @@
           <a:chExt cx="0" cy="0"/>
         </a:xfrm>
       </p:grpSpPr>
-      <p:pic>
-        <p:nvPicPr>
-          <p:cNvPr id="3" name="Picture 2">
-            <a:extLst>
-              <a:ext uri="{FF2B5EF4-FFF2-40B4-BE49-F238E27FC236}">
-                <a16:creationId xmlns:a16="http://schemas.microsoft.com/office/drawing/2014/main" id="{B3062F45-8FEB-9D5B-E0FD-0B396B108D0A}"/>
-              </a:ext>
-            </a:extLst>
-          </p:cNvPr>
-          <p:cNvPicPr>
-            <a:picLocks noChangeAspect="1"/>
-          </p:cNvPicPr>
-          <p:nvPr/>
-        </p:nvPicPr>
-        <p:blipFill>
-          <a:blip r:embed="rId2">
-            <a:extLst>
-              <a:ext uri="{28A0092B-C50C-407E-A947-70E740481C1C}">
-                <a14:useLocalDpi xmlns:a14="http://schemas.microsoft.com/office/drawing/2010/main" val="0"/>
-              </a:ext>
-            </a:extLst>
-          </a:blip>
-          <a:stretch>
-            <a:fillRect/>
-          </a:stretch>
-        </p:blipFill>
-        <p:spPr>
-          <a:xfrm>
-            <a:off x="0" y="0"/>
-            <a:ext cx="12192000" cy="6857999"/>
-          </a:xfrm>
-          <a:prstGeom prst="rect">
-            <a:avLst/>
-          </a:prstGeom>
-        </p:spPr>
-      </p:pic>
-      <p:pic>
-        <p:nvPicPr>
-          <p:cNvPr id="5" name="Picture 4">
-            <a:extLst>
-              <a:ext uri="{FF2B5EF4-FFF2-40B4-BE49-F238E27FC236}">
-                <a16:creationId xmlns:a16="http://schemas.microsoft.com/office/drawing/2014/main" id="{C1839AC5-F677-7A0F-7A84-3EB776464ECF}"/>
-              </a:ext>
-            </a:extLst>
-          </p:cNvPr>
-          <p:cNvPicPr>
-            <a:picLocks noChangeAspect="1"/>
-          </p:cNvPicPr>
-          <p:nvPr/>
-        </p:nvPicPr>
-        <p:blipFill>
-          <a:blip r:embed="rId3">
-            <a:extLst>
-              <a:ext uri="{28A0092B-C50C-407E-A947-70E740481C1C}">
-                <a14:useLocalDpi xmlns:a14="http://schemas.microsoft.com/office/drawing/2010/main" val="0"/>
-              </a:ext>
-            </a:extLst>
-          </a:blip>
-          <a:stretch>
-            <a:fillRect/>
-          </a:stretch>
-        </p:blipFill>
-        <p:spPr>
-          <a:xfrm>
-            <a:off x="3894306" y="77821"/>
-            <a:ext cx="4403387" cy="4403387"/>
-          </a:xfrm>
-          <a:prstGeom prst="rect">
-            <a:avLst/>
-          </a:prstGeom>
-        </p:spPr>
-      </p:pic>
-      <p:sp>
-        <p:nvSpPr>
-          <p:cNvPr id="6" name="TextBox 5">
-            <a:extLst>
-              <a:ext uri="{FF2B5EF4-FFF2-40B4-BE49-F238E27FC236}">
-                <a16:creationId xmlns:a16="http://schemas.microsoft.com/office/drawing/2014/main" id="{BE75F823-F56E-20CB-5AC2-9B473F0300D4}"/>
-              </a:ext>
-            </a:extLst>
-          </p:cNvPr>
-          <p:cNvSpPr txBox="1"/>
-          <p:nvPr/>
-        </p:nvSpPr>
-        <p:spPr>
-          <a:xfrm>
-            <a:off x="3994824" y="4481208"/>
-            <a:ext cx="4202349" cy="627864"/>
-          </a:xfrm>
-          <a:prstGeom prst="rect">
-            <a:avLst/>
-          </a:prstGeom>
-          <a:noFill/>
-        </p:spPr>
-        <p:txBody>
-          <a:bodyPr wrap="square" lIns="182880" tIns="146304" rIns="182880" bIns="146304" rtlCol="0">
-            <a:spAutoFit/>
-          </a:bodyPr>
-          <a:lstStyle/>
-          <a:p>
-            <a:pPr algn="ctr">
-              <a:lnSpc>
-                <a:spcPct val="90000"/>
-              </a:lnSpc>
-              <a:spcAft>
-                <a:spcPts val="600"/>
-              </a:spcAft>
-            </a:pPr>
-            <a:r>
-              <a:rPr lang="en-US" sz="2400" b="0" i="0" dirty="0">
-                <a:solidFill>
-                  <a:srgbClr val="000000"/>
-                </a:solidFill>
-                <a:effectLst/>
-                <a:latin typeface="tahoma" panose="020B0604030504040204" pitchFamily="34" charset="0"/>
-                <a:hlinkClick r:id="rId4"/>
-              </a:rPr>
-              <a:t>https://that.land/3JT49Cy</a:t>
-            </a:r>
-            <a:endParaRPr lang="en-US" sz="2400" dirty="0">
-              <a:gradFill>
-                <a:gsLst>
-                  <a:gs pos="2917">
-                    <a:schemeClr val="tx1"/>
-                  </a:gs>
-                  <a:gs pos="30000">
-                    <a:schemeClr val="tx1"/>
-                  </a:gs>
-                </a:gsLst>
-                <a:lin ang="5400000" scaled="0"/>
-              </a:gradFill>
-            </a:endParaRPr>
-          </a:p>
-        </p:txBody>
-      </p:sp>
-    </p:spTree>
-    <p:extLst>
-      <p:ext uri="{BB962C8B-B14F-4D97-AF65-F5344CB8AC3E}">
-        <p14:creationId xmlns:p14="http://schemas.microsoft.com/office/powerpoint/2010/main" val="178251991"/>
-      </p:ext>
-    </p:extLst>
-  </p:cSld>
-  <p:clrMapOvr>
-    <a:masterClrMapping/>
-  </p:clrMapOvr>
-  <p:transition>
-    <p:fade/>
-  </p:transition>
-</p:sld>
-</file>
-
-<file path=ppt/slides/slide5.xml><?xml version="1.0" encoding="utf-8"?>
-<p:sld xmlns:a="http://schemas.openxmlformats.org/drawingml/2006/main" xmlns:r="http://schemas.openxmlformats.org/officeDocument/2006/relationships" xmlns:p="http://schemas.openxmlformats.org/presentationml/2006/main" showMasterSp="0">
-  <p:cSld>
-    <p:spTree>
-      <p:nvGrpSpPr>
-        <p:cNvPr id="1" name=""/>
-        <p:cNvGrpSpPr/>
-        <p:nvPr/>
-      </p:nvGrpSpPr>
-      <p:grpSpPr>
-        <a:xfrm>
-          <a:off x="0" y="0"/>
-          <a:ext cx="0" cy="0"/>
-          <a:chOff x="0" y="0"/>
-          <a:chExt cx="0" cy="0"/>
-        </a:xfrm>
-      </p:grpSpPr>
-      <p:pic>
-        <p:nvPicPr>
-          <p:cNvPr id="4" name="Picture 3"/>
-          <p:cNvPicPr>
-            <a:picLocks noChangeAspect="1"/>
-          </p:cNvPicPr>
-          <p:nvPr/>
-        </p:nvPicPr>
-        <p:blipFill>
-          <a:blip r:embed="rId2">
-            <a:extLst>
-              <a:ext uri="{28A0092B-C50C-407E-A947-70E740481C1C}">
-                <a14:useLocalDpi xmlns:a14="http://schemas.microsoft.com/office/drawing/2010/main" val="0"/>
-              </a:ext>
-            </a:extLst>
-          </a:blip>
-          <a:srcRect/>
-          <a:stretch/>
-        </p:blipFill>
-        <p:spPr>
-          <a:xfrm>
-            <a:off x="3483428" y="0"/>
-            <a:ext cx="5225142" cy="6858000"/>
-          </a:xfrm>
-          <a:prstGeom prst="rect">
-            <a:avLst/>
-          </a:prstGeom>
-        </p:spPr>
-      </p:pic>
-    </p:spTree>
-    <p:extLst>
-      <p:ext uri="{BB962C8B-B14F-4D97-AF65-F5344CB8AC3E}">
-        <p14:creationId xmlns:p14="http://schemas.microsoft.com/office/powerpoint/2010/main" val="393857517"/>
-      </p:ext>
-    </p:extLst>
-  </p:cSld>
-  <p:clrMapOvr>
-    <a:masterClrMapping/>
-  </p:clrMapOvr>
-  <p:transition>
-    <p:fade/>
-  </p:transition>
-</p:sld>
-</file>
-
-<file path=ppt/slides/slide6.xml><?xml version="1.0" encoding="utf-8"?>
-<p:sld xmlns:a="http://schemas.openxmlformats.org/drawingml/2006/main" xmlns:r="http://schemas.openxmlformats.org/officeDocument/2006/relationships" xmlns:p="http://schemas.openxmlformats.org/presentationml/2006/main">
-  <p:cSld>
-    <p:spTree>
-      <p:nvGrpSpPr>
-        <p:cNvPr id="1" name=""/>
-        <p:cNvGrpSpPr/>
-        <p:nvPr/>
-      </p:nvGrpSpPr>
-      <p:grpSpPr>
-        <a:xfrm>
-          <a:off x="0" y="0"/>
-          <a:ext cx="0" cy="0"/>
-          <a:chOff x="0" y="0"/>
-          <a:chExt cx="0" cy="0"/>
-        </a:xfrm>
-      </p:grpSpPr>
-      <p:sp>
-        <p:nvSpPr>
-          <p:cNvPr id="2" name="Title 1">
-            <a:extLst>
-              <a:ext uri="{FF2B5EF4-FFF2-40B4-BE49-F238E27FC236}">
-                <a16:creationId xmlns:a16="http://schemas.microsoft.com/office/drawing/2014/main" id="{38E08568-2B33-E7CC-3939-EF4B1E31432D}"/>
-              </a:ext>
-            </a:extLst>
-          </p:cNvPr>
-          <p:cNvSpPr>
-            <a:spLocks noGrp="1"/>
-          </p:cNvSpPr>
-          <p:nvPr>
-            <p:ph type="title"/>
-          </p:nvPr>
-        </p:nvSpPr>
-        <p:spPr/>
-        <p:txBody>
-          <a:bodyPr/>
-          <a:lstStyle/>
-          <a:p>
-            <a:r>
-              <a:rPr lang="en-US" dirty="0"/>
-              <a:t>Please do ask questions!</a:t>
-            </a:r>
-          </a:p>
-        </p:txBody>
-      </p:sp>
-      <p:pic>
-        <p:nvPicPr>
-          <p:cNvPr id="5" name="Picture 4">
-            <a:extLst>
-              <a:ext uri="{FF2B5EF4-FFF2-40B4-BE49-F238E27FC236}">
-                <a16:creationId xmlns:a16="http://schemas.microsoft.com/office/drawing/2014/main" id="{6D173458-F6D3-1820-FD85-1CAF3AC05AE7}"/>
-              </a:ext>
-            </a:extLst>
-          </p:cNvPr>
-          <p:cNvPicPr>
-            <a:picLocks noChangeAspect="1"/>
-          </p:cNvPicPr>
-          <p:nvPr/>
-        </p:nvPicPr>
-        <p:blipFill>
-          <a:blip r:embed="rId2"/>
-          <a:stretch>
-            <a:fillRect/>
-          </a:stretch>
-        </p:blipFill>
-        <p:spPr>
-          <a:xfrm>
-            <a:off x="1680544" y="1563469"/>
-            <a:ext cx="8830907" cy="743054"/>
-          </a:xfrm>
-          <a:prstGeom prst="rect">
-            <a:avLst/>
-          </a:prstGeom>
-        </p:spPr>
-      </p:pic>
-      <p:pic>
-        <p:nvPicPr>
-          <p:cNvPr id="7" name="Picture 6">
-            <a:extLst>
-              <a:ext uri="{FF2B5EF4-FFF2-40B4-BE49-F238E27FC236}">
-                <a16:creationId xmlns:a16="http://schemas.microsoft.com/office/drawing/2014/main" id="{FE5072C3-1D1F-A0EB-810C-8EAB84E1CE0D}"/>
-              </a:ext>
-            </a:extLst>
-          </p:cNvPr>
-          <p:cNvPicPr>
-            <a:picLocks noChangeAspect="1"/>
-          </p:cNvPicPr>
-          <p:nvPr/>
-        </p:nvPicPr>
-        <p:blipFill>
-          <a:blip r:embed="rId3"/>
-          <a:stretch>
-            <a:fillRect/>
-          </a:stretch>
-        </p:blipFill>
-        <p:spPr>
-          <a:xfrm>
-            <a:off x="1656729" y="2698848"/>
-            <a:ext cx="8878539" cy="685896"/>
-          </a:xfrm>
-          <a:prstGeom prst="rect">
-            <a:avLst/>
-          </a:prstGeom>
-        </p:spPr>
-      </p:pic>
-      <p:pic>
-        <p:nvPicPr>
-          <p:cNvPr id="1026" name="Picture 2">
-            <a:extLst>
-              <a:ext uri="{FF2B5EF4-FFF2-40B4-BE49-F238E27FC236}">
-                <a16:creationId xmlns:a16="http://schemas.microsoft.com/office/drawing/2014/main" id="{153B4D0A-E0EE-287D-0910-238D95C912E4}"/>
-              </a:ext>
-            </a:extLst>
-          </p:cNvPr>
-          <p:cNvPicPr>
-            <a:picLocks noChangeAspect="1" noChangeArrowheads="1"/>
-          </p:cNvPicPr>
-          <p:nvPr/>
-        </p:nvPicPr>
-        <p:blipFill>
-          <a:blip r:embed="rId4">
-            <a:extLst>
-              <a:ext uri="{28A0092B-C50C-407E-A947-70E740481C1C}">
-                <a14:useLocalDpi xmlns:a14="http://schemas.microsoft.com/office/drawing/2010/main" val="0"/>
-              </a:ext>
-            </a:extLst>
-          </a:blip>
-          <a:srcRect/>
-          <a:stretch>
-            <a:fillRect/>
-          </a:stretch>
-        </p:blipFill>
-        <p:spPr bwMode="auto">
-          <a:xfrm>
-            <a:off x="4376734" y="3473257"/>
-            <a:ext cx="3438525" cy="2292350"/>
-          </a:xfrm>
-          <a:prstGeom prst="rect">
-            <a:avLst/>
-          </a:prstGeom>
-          <a:noFill/>
-          <a:extLst>
-            <a:ext uri="{909E8E84-426E-40DD-AFC4-6F175D3DCCD1}">
-              <a14:hiddenFill xmlns:a14="http://schemas.microsoft.com/office/drawing/2010/main">
-                <a:solidFill>
-                  <a:srgbClr val="FFFFFF"/>
-                </a:solidFill>
-              </a14:hiddenFill>
-            </a:ext>
-          </a:extLst>
-        </p:spPr>
-      </p:pic>
-    </p:spTree>
-    <p:extLst>
-      <p:ext uri="{BB962C8B-B14F-4D97-AF65-F5344CB8AC3E}">
-        <p14:creationId xmlns:p14="http://schemas.microsoft.com/office/powerpoint/2010/main" val="645684284"/>
-      </p:ext>
-    </p:extLst>
-  </p:cSld>
-  <p:clrMapOvr>
-    <a:masterClrMapping/>
-  </p:clrMapOvr>
-  <p:transition>
-    <p:fade/>
-  </p:transition>
-</p:sld>
-</file>
-
-<file path=ppt/slides/slide7.xml><?xml version="1.0" encoding="utf-8"?>
-<p:sld xmlns:a="http://schemas.openxmlformats.org/drawingml/2006/main" xmlns:r="http://schemas.openxmlformats.org/officeDocument/2006/relationships" xmlns:p="http://schemas.openxmlformats.org/presentationml/2006/main">
-  <p:cSld>
-    <p:spTree>
-      <p:nvGrpSpPr>
-        <p:cNvPr id="1" name=""/>
-        <p:cNvGrpSpPr/>
-        <p:nvPr/>
-      </p:nvGrpSpPr>
-      <p:grpSpPr>
-        <a:xfrm>
-          <a:off x="0" y="0"/>
-          <a:ext cx="0" cy="0"/>
-          <a:chOff x="0" y="0"/>
-          <a:chExt cx="0" cy="0"/>
-        </a:xfrm>
-      </p:grpSpPr>
-      <p:sp>
-        <p:nvSpPr>
-          <p:cNvPr id="2" name="Title 1">
-            <a:extLst>
-              <a:ext uri="{FF2B5EF4-FFF2-40B4-BE49-F238E27FC236}">
-                <a16:creationId xmlns:a16="http://schemas.microsoft.com/office/drawing/2014/main" id="{47C1EC8D-C869-4A7A-8349-D1F62555E0F7}"/>
-              </a:ext>
-            </a:extLst>
-          </p:cNvPr>
-          <p:cNvSpPr>
-            <a:spLocks noGrp="1"/>
-          </p:cNvSpPr>
-          <p:nvPr>
-            <p:ph type="title"/>
-          </p:nvPr>
-        </p:nvSpPr>
-        <p:spPr/>
-        <p:txBody>
-          <a:bodyPr/>
-          <a:lstStyle/>
-          <a:p>
-            <a:r>
-              <a:rPr lang="en-US" dirty="0" err="1"/>
-              <a:t>ValueTask</a:t>
-            </a:r>
-            <a:endParaRPr lang="en-US" dirty="0"/>
-          </a:p>
-        </p:txBody>
-      </p:sp>
-    </p:spTree>
-    <p:extLst>
-      <p:ext uri="{BB962C8B-B14F-4D97-AF65-F5344CB8AC3E}">
-        <p14:creationId xmlns:p14="http://schemas.microsoft.com/office/powerpoint/2010/main" val="721164489"/>
-      </p:ext>
-    </p:extLst>
-  </p:cSld>
-  <p:clrMapOvr>
-    <a:masterClrMapping/>
-  </p:clrMapOvr>
-  <p:transition>
-    <p:fade/>
-  </p:transition>
-</p:sld>
-</file>
-
-<file path=ppt/slides/slide8.xml><?xml version="1.0" encoding="utf-8"?>
-<p:sld xmlns:a="http://schemas.openxmlformats.org/drawingml/2006/main" xmlns:r="http://schemas.openxmlformats.org/officeDocument/2006/relationships" xmlns:p="http://schemas.openxmlformats.org/presentationml/2006/main">
-  <p:cSld>
-    <p:spTree>
-      <p:nvGrpSpPr>
-        <p:cNvPr id="1" name=""/>
-        <p:cNvGrpSpPr/>
-        <p:nvPr/>
-      </p:nvGrpSpPr>
-      <p:grpSpPr>
-        <a:xfrm>
-          <a:off x="0" y="0"/>
-          <a:ext cx="0" cy="0"/>
-          <a:chOff x="0" y="0"/>
-          <a:chExt cx="0" cy="0"/>
-        </a:xfrm>
-      </p:grpSpPr>
       <p:sp>
         <p:nvSpPr>
           <p:cNvPr id="3" name="Title 2">
@@ -9124,7 +8305,7 @@
 </p:sld>
 </file>
 
-<file path=ppt/slides/slide9.xml><?xml version="1.0" encoding="utf-8"?>
+<file path=ppt/slides/slide6.xml><?xml version="1.0" encoding="utf-8"?>
 <p:sld xmlns:a="http://schemas.openxmlformats.org/drawingml/2006/main" xmlns:r="http://schemas.openxmlformats.org/officeDocument/2006/relationships" xmlns:p="http://schemas.openxmlformats.org/presentationml/2006/main">
   <p:cSld>
     <p:spTree>
@@ -9423,6 +8604,572 @@
     <p:extLst>
       <p:ext uri="{BB962C8B-B14F-4D97-AF65-F5344CB8AC3E}">
         <p14:creationId xmlns:p14="http://schemas.microsoft.com/office/powerpoint/2010/main" val="4124275277"/>
+      </p:ext>
+    </p:extLst>
+  </p:cSld>
+  <p:clrMapOvr>
+    <a:masterClrMapping/>
+  </p:clrMapOvr>
+  <p:transition>
+    <p:fade/>
+  </p:transition>
+</p:sld>
+</file>
+
+<file path=ppt/slides/slide7.xml><?xml version="1.0" encoding="utf-8"?>
+<p:sld xmlns:a="http://schemas.openxmlformats.org/drawingml/2006/main" xmlns:r="http://schemas.openxmlformats.org/officeDocument/2006/relationships" xmlns:p="http://schemas.openxmlformats.org/presentationml/2006/main">
+  <p:cSld>
+    <p:spTree>
+      <p:nvGrpSpPr>
+        <p:cNvPr id="1" name=""/>
+        <p:cNvGrpSpPr/>
+        <p:nvPr/>
+      </p:nvGrpSpPr>
+      <p:grpSpPr>
+        <a:xfrm>
+          <a:off x="0" y="0"/>
+          <a:ext cx="0" cy="0"/>
+          <a:chOff x="0" y="0"/>
+          <a:chExt cx="0" cy="0"/>
+        </a:xfrm>
+      </p:grpSpPr>
+      <p:sp>
+        <p:nvSpPr>
+          <p:cNvPr id="3" name="Title 2">
+            <a:extLst>
+              <a:ext uri="{FF2B5EF4-FFF2-40B4-BE49-F238E27FC236}">
+                <a16:creationId xmlns:a16="http://schemas.microsoft.com/office/drawing/2014/main" id="{6DC829FB-6C47-1442-C197-D823808B268B}"/>
+              </a:ext>
+            </a:extLst>
+          </p:cNvPr>
+          <p:cNvSpPr>
+            <a:spLocks noGrp="1"/>
+          </p:cNvSpPr>
+          <p:nvPr>
+            <p:ph type="title"/>
+          </p:nvPr>
+        </p:nvSpPr>
+        <p:spPr/>
+        <p:txBody>
+          <a:bodyPr/>
+          <a:lstStyle/>
+          <a:p>
+            <a:r>
+              <a:rPr lang="en-US" dirty="0"/>
+              <a:t>Implementing </a:t>
+            </a:r>
+            <a:r>
+              <a:rPr lang="en-US" dirty="0" err="1"/>
+              <a:t>ValueTask</a:t>
+            </a:r>
+            <a:r>
+              <a:rPr lang="en-US" dirty="0"/>
+              <a:t> Methods</a:t>
+            </a:r>
+          </a:p>
+        </p:txBody>
+      </p:sp>
+      <p:sp>
+        <p:nvSpPr>
+          <p:cNvPr id="4" name="Text Placeholder 3">
+            <a:extLst>
+              <a:ext uri="{FF2B5EF4-FFF2-40B4-BE49-F238E27FC236}">
+                <a16:creationId xmlns:a16="http://schemas.microsoft.com/office/drawing/2014/main" id="{446DB1A2-496F-86BC-5024-8622FC2738C2}"/>
+              </a:ext>
+            </a:extLst>
+          </p:cNvPr>
+          <p:cNvSpPr>
+            <a:spLocks noGrp="1"/>
+          </p:cNvSpPr>
+          <p:nvPr>
+            <p:ph type="body" sz="quarter" idx="10"/>
+          </p:nvPr>
+        </p:nvSpPr>
+        <p:spPr>
+          <a:xfrm>
+            <a:off x="269239" y="1197322"/>
+            <a:ext cx="11653522" cy="4377032"/>
+          </a:xfrm>
+        </p:spPr>
+        <p:txBody>
+          <a:bodyPr/>
+          <a:lstStyle/>
+          <a:p>
+            <a:pPr marL="457200" indent="-457200">
+              <a:buFontTx/>
+              <a:buChar char="-"/>
+            </a:pPr>
+            <a:r>
+              <a:rPr lang="en-US" dirty="0"/>
+              <a:t>Producing </a:t>
+            </a:r>
+            <a:r>
+              <a:rPr lang="en-US" dirty="0" err="1">
+                <a:latin typeface="Consolas" panose="020B0609020204030204" pitchFamily="49" charset="0"/>
+              </a:rPr>
+              <a:t>ValueTask</a:t>
+            </a:r>
+            <a:r>
+              <a:rPr lang="en-US" dirty="0" err="1"/>
+              <a:t>s</a:t>
+            </a:r>
+            <a:r>
+              <a:rPr lang="en-US" dirty="0"/>
+              <a:t>:</a:t>
+            </a:r>
+          </a:p>
+          <a:p>
+            <a:pPr marL="796926" lvl="1" indent="-457200">
+              <a:buFontTx/>
+              <a:buChar char="-"/>
+            </a:pPr>
+            <a:r>
+              <a:rPr lang="en-US" dirty="0">
+                <a:solidFill>
+                  <a:schemeClr val="bg1"/>
+                </a:solidFill>
+                <a:latin typeface="Consolas" panose="020B0609020204030204" pitchFamily="49" charset="0"/>
+              </a:rPr>
+              <a:t>async </a:t>
+            </a:r>
+            <a:r>
+              <a:rPr lang="en-US" dirty="0" err="1">
+                <a:solidFill>
+                  <a:schemeClr val="bg1"/>
+                </a:solidFill>
+                <a:latin typeface="Consolas" panose="020B0609020204030204" pitchFamily="49" charset="0"/>
+              </a:rPr>
+              <a:t>ValueTask</a:t>
+            </a:r>
+            <a:r>
+              <a:rPr lang="en-US" dirty="0"/>
+              <a:t>: possibly-synchronous results (.NET Core 1.1).</a:t>
+            </a:r>
+          </a:p>
+          <a:p>
+            <a:pPr marL="796926" lvl="1" indent="-457200">
+              <a:buFontTx/>
+              <a:buChar char="-"/>
+            </a:pPr>
+            <a:r>
+              <a:rPr lang="en-US" dirty="0">
+                <a:latin typeface="Consolas" panose="020B0609020204030204" pitchFamily="49" charset="0"/>
+              </a:rPr>
+              <a:t>[</a:t>
+            </a:r>
+            <a:r>
+              <a:rPr lang="en-US" dirty="0" err="1">
+                <a:latin typeface="Consolas" panose="020B0609020204030204" pitchFamily="49" charset="0"/>
+              </a:rPr>
+              <a:t>AsyncMethodBuilder</a:t>
+            </a:r>
+            <a:r>
+              <a:rPr lang="en-US" dirty="0">
+                <a:latin typeface="Consolas" panose="020B0609020204030204" pitchFamily="49" charset="0"/>
+              </a:rPr>
+              <a:t>(</a:t>
+            </a:r>
+            <a:r>
+              <a:rPr lang="en-US" dirty="0" err="1">
+                <a:latin typeface="Consolas" panose="020B0609020204030204" pitchFamily="49" charset="0"/>
+              </a:rPr>
+              <a:t>typeof</a:t>
+            </a:r>
+            <a:r>
+              <a:rPr lang="en-US" dirty="0">
+                <a:latin typeface="Consolas" panose="020B0609020204030204" pitchFamily="49" charset="0"/>
+              </a:rPr>
+              <a:t>(</a:t>
+            </a:r>
+            <a:r>
+              <a:rPr lang="en-US" dirty="0" err="1">
+                <a:latin typeface="Consolas" panose="020B0609020204030204" pitchFamily="49" charset="0"/>
+              </a:rPr>
+              <a:t>PoolingAsyncValueTaskMethodBuilder</a:t>
+            </a:r>
+            <a:r>
+              <a:rPr lang="en-US" dirty="0">
+                <a:latin typeface="Consolas" panose="020B0609020204030204" pitchFamily="49" charset="0"/>
+              </a:rPr>
+              <a:t>&lt;&gt;))]</a:t>
+            </a:r>
+            <a:r>
+              <a:rPr lang="en-US" dirty="0">
+                <a:latin typeface="+mn-lt"/>
+              </a:rPr>
+              <a:t>: pooled </a:t>
+            </a:r>
+            <a:r>
+              <a:rPr lang="en-US" dirty="0" err="1">
+                <a:latin typeface="+mn-lt"/>
+              </a:rPr>
+              <a:t>ValueTask</a:t>
+            </a:r>
+            <a:r>
+              <a:rPr lang="en-US" dirty="0">
+                <a:latin typeface="+mn-lt"/>
+              </a:rPr>
+              <a:t> sources (.NET 6).</a:t>
+            </a:r>
+          </a:p>
+          <a:p>
+            <a:pPr marL="457200" indent="-457200">
+              <a:buFontTx/>
+              <a:buChar char="-"/>
+            </a:pPr>
+            <a:endParaRPr lang="en-US" dirty="0">
+              <a:latin typeface="+mn-lt"/>
+            </a:endParaRPr>
+          </a:p>
+          <a:p>
+            <a:pPr marL="457200" indent="-457200">
+              <a:buFontTx/>
+              <a:buChar char="-"/>
+            </a:pPr>
+            <a:r>
+              <a:rPr lang="en-US" dirty="0">
+                <a:latin typeface="+mn-lt"/>
+              </a:rPr>
+              <a:t>Mostly outdated:</a:t>
+            </a:r>
+          </a:p>
+          <a:p>
+            <a:pPr marL="796926" lvl="1" indent="-457200">
+              <a:buFontTx/>
+              <a:buChar char="-"/>
+            </a:pPr>
+            <a:r>
+              <a:rPr lang="en-US" dirty="0"/>
+              <a:t>Constructor: synchronous result or Task wrapper (.NET Core 1.0).</a:t>
+            </a:r>
+          </a:p>
+          <a:p>
+            <a:pPr marL="796926" lvl="1" indent="-457200">
+              <a:buFontTx/>
+              <a:buChar char="-"/>
+            </a:pPr>
+            <a:r>
+              <a:rPr lang="en-US" dirty="0" err="1">
+                <a:latin typeface="Consolas" panose="020B0609020204030204" pitchFamily="49" charset="0"/>
+              </a:rPr>
+              <a:t>ManualResetValueTaskSourceCore</a:t>
+            </a:r>
+            <a:r>
+              <a:rPr lang="en-US" dirty="0">
+                <a:latin typeface="Consolas" panose="020B0609020204030204" pitchFamily="49" charset="0"/>
+              </a:rPr>
+              <a:t>&lt;T&gt;</a:t>
+            </a:r>
+            <a:r>
+              <a:rPr lang="en-US" dirty="0">
+                <a:latin typeface="+mn-lt"/>
+              </a:rPr>
+              <a:t> (.NET Core 3.0).</a:t>
+            </a:r>
+          </a:p>
+          <a:p>
+            <a:pPr marL="1030290" lvl="2" indent="-457200">
+              <a:buFontTx/>
+              <a:buChar char="-"/>
+            </a:pPr>
+            <a:r>
+              <a:rPr lang="en-US" dirty="0">
+                <a:latin typeface="+mn-lt"/>
+              </a:rPr>
+              <a:t>Implements </a:t>
+            </a:r>
+            <a:r>
+              <a:rPr lang="en-US" dirty="0" err="1">
+                <a:latin typeface="Consolas" panose="020B0609020204030204" pitchFamily="49" charset="0"/>
+              </a:rPr>
+              <a:t>IValueTaskSource</a:t>
+            </a:r>
+            <a:r>
+              <a:rPr lang="en-US" dirty="0">
+                <a:latin typeface="Consolas" panose="020B0609020204030204" pitchFamily="49" charset="0"/>
+              </a:rPr>
+              <a:t>&lt;T&gt;</a:t>
+            </a:r>
+          </a:p>
+          <a:p>
+            <a:pPr marL="1030290" lvl="2" indent="-457200">
+              <a:buFontTx/>
+              <a:buChar char="-"/>
+            </a:pPr>
+            <a:r>
+              <a:rPr lang="en-US" dirty="0">
+                <a:latin typeface="+mn-lt"/>
+              </a:rPr>
+              <a:t>Still useful for </a:t>
+            </a:r>
+            <a:r>
+              <a:rPr lang="en-US" i="1" dirty="0">
+                <a:latin typeface="+mn-lt"/>
+              </a:rPr>
+              <a:t>extremely</a:t>
+            </a:r>
+            <a:r>
+              <a:rPr lang="en-US" dirty="0">
+                <a:latin typeface="+mn-lt"/>
+              </a:rPr>
+              <a:t> performance-sensitive code, e.g., Socket reads/writes.</a:t>
+            </a:r>
+            <a:endParaRPr lang="en-US" dirty="0">
+              <a:latin typeface="Consolas" panose="020B0609020204030204" pitchFamily="49" charset="0"/>
+            </a:endParaRPr>
+          </a:p>
+        </p:txBody>
+      </p:sp>
+    </p:spTree>
+    <p:extLst>
+      <p:ext uri="{BB962C8B-B14F-4D97-AF65-F5344CB8AC3E}">
+        <p14:creationId xmlns:p14="http://schemas.microsoft.com/office/powerpoint/2010/main" val="2059344013"/>
+      </p:ext>
+    </p:extLst>
+  </p:cSld>
+  <p:clrMapOvr>
+    <a:masterClrMapping/>
+  </p:clrMapOvr>
+  <p:transition>
+    <p:fade/>
+  </p:transition>
+</p:sld>
+</file>
+
+<file path=ppt/slides/slide8.xml><?xml version="1.0" encoding="utf-8"?>
+<p:sld xmlns:a="http://schemas.openxmlformats.org/drawingml/2006/main" xmlns:r="http://schemas.openxmlformats.org/officeDocument/2006/relationships" xmlns:p="http://schemas.openxmlformats.org/presentationml/2006/main">
+  <p:cSld>
+    <p:spTree>
+      <p:nvGrpSpPr>
+        <p:cNvPr id="1" name=""/>
+        <p:cNvGrpSpPr/>
+        <p:nvPr/>
+      </p:nvGrpSpPr>
+      <p:grpSpPr>
+        <a:xfrm>
+          <a:off x="0" y="0"/>
+          <a:ext cx="0" cy="0"/>
+          <a:chOff x="0" y="0"/>
+          <a:chExt cx="0" cy="0"/>
+        </a:xfrm>
+      </p:grpSpPr>
+      <p:sp>
+        <p:nvSpPr>
+          <p:cNvPr id="2" name="Title 1">
+            <a:extLst>
+              <a:ext uri="{FF2B5EF4-FFF2-40B4-BE49-F238E27FC236}">
+                <a16:creationId xmlns:a16="http://schemas.microsoft.com/office/drawing/2014/main" id="{47C1EC8D-C869-4A7A-8349-D1F62555E0F7}"/>
+              </a:ext>
+            </a:extLst>
+          </p:cNvPr>
+          <p:cNvSpPr>
+            <a:spLocks noGrp="1"/>
+          </p:cNvSpPr>
+          <p:nvPr>
+            <p:ph type="title"/>
+          </p:nvPr>
+        </p:nvSpPr>
+        <p:spPr/>
+        <p:txBody>
+          <a:bodyPr/>
+          <a:lstStyle/>
+          <a:p>
+            <a:r>
+              <a:rPr lang="en-US" dirty="0" err="1"/>
+              <a:t>IAsyncDisposable</a:t>
+            </a:r>
+            <a:endParaRPr lang="en-US" dirty="0"/>
+          </a:p>
+        </p:txBody>
+      </p:sp>
+    </p:spTree>
+    <p:extLst>
+      <p:ext uri="{BB962C8B-B14F-4D97-AF65-F5344CB8AC3E}">
+        <p14:creationId xmlns:p14="http://schemas.microsoft.com/office/powerpoint/2010/main" val="139230182"/>
+      </p:ext>
+    </p:extLst>
+  </p:cSld>
+  <p:clrMapOvr>
+    <a:masterClrMapping/>
+  </p:clrMapOvr>
+  <p:transition>
+    <p:fade/>
+  </p:transition>
+</p:sld>
+</file>
+
+<file path=ppt/slides/slide9.xml><?xml version="1.0" encoding="utf-8"?>
+<p:sld xmlns:a="http://schemas.openxmlformats.org/drawingml/2006/main" xmlns:r="http://schemas.openxmlformats.org/officeDocument/2006/relationships" xmlns:p="http://schemas.openxmlformats.org/presentationml/2006/main">
+  <p:cSld>
+    <p:spTree>
+      <p:nvGrpSpPr>
+        <p:cNvPr id="1" name=""/>
+        <p:cNvGrpSpPr/>
+        <p:nvPr/>
+      </p:nvGrpSpPr>
+      <p:grpSpPr>
+        <a:xfrm>
+          <a:off x="0" y="0"/>
+          <a:ext cx="0" cy="0"/>
+          <a:chOff x="0" y="0"/>
+          <a:chExt cx="0" cy="0"/>
+        </a:xfrm>
+      </p:grpSpPr>
+      <p:sp>
+        <p:nvSpPr>
+          <p:cNvPr id="2" name="Title 1">
+            <a:extLst>
+              <a:ext uri="{FF2B5EF4-FFF2-40B4-BE49-F238E27FC236}">
+                <a16:creationId xmlns:a16="http://schemas.microsoft.com/office/drawing/2014/main" id="{DE2CF484-0F47-554C-2FA2-668360593019}"/>
+              </a:ext>
+            </a:extLst>
+          </p:cNvPr>
+          <p:cNvSpPr>
+            <a:spLocks noGrp="1"/>
+          </p:cNvSpPr>
+          <p:nvPr>
+            <p:ph type="title"/>
+          </p:nvPr>
+        </p:nvSpPr>
+        <p:spPr/>
+        <p:txBody>
+          <a:bodyPr/>
+          <a:lstStyle/>
+          <a:p>
+            <a:r>
+              <a:rPr lang="en-US" dirty="0"/>
+              <a:t>Asynchronous Disposal</a:t>
+            </a:r>
+          </a:p>
+        </p:txBody>
+      </p:sp>
+      <p:sp>
+        <p:nvSpPr>
+          <p:cNvPr id="5" name="Text Placeholder 4">
+            <a:extLst>
+              <a:ext uri="{FF2B5EF4-FFF2-40B4-BE49-F238E27FC236}">
+                <a16:creationId xmlns:a16="http://schemas.microsoft.com/office/drawing/2014/main" id="{BBEE5FCE-DFD3-DCAC-06BC-BF9A8DAF3660}"/>
+              </a:ext>
+            </a:extLst>
+          </p:cNvPr>
+          <p:cNvSpPr>
+            <a:spLocks noGrp="1"/>
+          </p:cNvSpPr>
+          <p:nvPr>
+            <p:ph type="body" sz="quarter" idx="10"/>
+          </p:nvPr>
+        </p:nvSpPr>
+        <p:spPr>
+          <a:xfrm>
+            <a:off x="269239" y="1197322"/>
+            <a:ext cx="11653522" cy="4366708"/>
+          </a:xfrm>
+        </p:spPr>
+        <p:txBody>
+          <a:bodyPr/>
+          <a:lstStyle/>
+          <a:p>
+            <a:r>
+              <a:rPr lang="en-US" dirty="0" err="1">
+                <a:latin typeface="Consolas" panose="020B0609020204030204" pitchFamily="49" charset="0"/>
+              </a:rPr>
+              <a:t>ValueTask</a:t>
+            </a:r>
+            <a:r>
+              <a:rPr lang="en-US" dirty="0">
+                <a:latin typeface="Consolas" panose="020B0609020204030204" pitchFamily="49" charset="0"/>
+              </a:rPr>
+              <a:t> </a:t>
+            </a:r>
+            <a:r>
+              <a:rPr lang="en-US" dirty="0" err="1">
+                <a:latin typeface="Consolas" panose="020B0609020204030204" pitchFamily="49" charset="0"/>
+              </a:rPr>
+              <a:t>DisposeAsync</a:t>
+            </a:r>
+            <a:r>
+              <a:rPr lang="en-US" dirty="0">
+                <a:latin typeface="Consolas" panose="020B0609020204030204" pitchFamily="49" charset="0"/>
+              </a:rPr>
+              <a:t>();</a:t>
+            </a:r>
+          </a:p>
+          <a:p>
+            <a:endParaRPr lang="en-US" dirty="0"/>
+          </a:p>
+          <a:p>
+            <a:pPr marL="457200" indent="-457200">
+              <a:buFontTx/>
+              <a:buChar char="-"/>
+            </a:pPr>
+            <a:r>
+              <a:rPr lang="en-US" dirty="0"/>
+              <a:t>Just like </a:t>
+            </a:r>
+            <a:r>
+              <a:rPr lang="en-US" dirty="0">
+                <a:latin typeface="Consolas" panose="020B0609020204030204" pitchFamily="49" charset="0"/>
+              </a:rPr>
+              <a:t>Dispose()</a:t>
+            </a:r>
+            <a:r>
+              <a:rPr lang="en-US" dirty="0"/>
+              <a:t>, just asynchronous.</a:t>
+            </a:r>
+          </a:p>
+          <a:p>
+            <a:pPr marL="457200" indent="-457200">
+              <a:buFontTx/>
+              <a:buChar char="-"/>
+            </a:pPr>
+            <a:r>
+              <a:rPr lang="en-US" dirty="0"/>
+              <a:t>No official patterns for whether you can (or should) support both, “dispose pattern”, etc.</a:t>
+            </a:r>
+          </a:p>
+          <a:p>
+            <a:pPr marL="457200" indent="-457200">
+              <a:buFontTx/>
+              <a:buChar char="-"/>
+            </a:pPr>
+            <a:endParaRPr lang="en-US" dirty="0"/>
+          </a:p>
+          <a:p>
+            <a:r>
+              <a:rPr lang="en-US" dirty="0"/>
+              <a:t>Not supported everywhere, e.g., </a:t>
+            </a:r>
+            <a:r>
+              <a:rPr lang="en-US" dirty="0" err="1">
+                <a:latin typeface="Consolas" panose="020B0609020204030204" pitchFamily="49" charset="0"/>
+              </a:rPr>
+              <a:t>AsyncServiceScope</a:t>
+            </a:r>
+            <a:r>
+              <a:rPr lang="en-US" dirty="0"/>
+              <a:t> is 6.0+</a:t>
+            </a:r>
+          </a:p>
+          <a:p>
+            <a:pPr marL="457200" indent="-457200">
+              <a:buFontTx/>
+              <a:buChar char="-"/>
+            </a:pPr>
+            <a:r>
+              <a:rPr lang="en-US" dirty="0" err="1"/>
+              <a:t>Nito.Disposables</a:t>
+            </a:r>
+            <a:r>
+              <a:rPr lang="en-US" dirty="0"/>
+              <a:t> if you want helpers.</a:t>
+            </a:r>
+          </a:p>
+        </p:txBody>
+      </p:sp>
+    </p:spTree>
+    <p:extLst>
+      <p:ext uri="{BB962C8B-B14F-4D97-AF65-F5344CB8AC3E}">
+        <p14:creationId xmlns:p14="http://schemas.microsoft.com/office/powerpoint/2010/main" val="658538106"/>
       </p:ext>
     </p:extLst>
   </p:cSld>

--- a/Async Masterclass/Async Masterclass.pptx
+++ b/Async Masterclass/Async Masterclass.pptx
@@ -233,7 +233,7 @@
           <a:p>
             <a:fld id="{574E8BCA-0B4F-4373-B78E-3D2899449797}" type="datetimeFigureOut">
               <a:rPr lang="en-US" smtClean="0"/>
-              <a:t>11/23/2023</a:t>
+              <a:t>1/8/2024</a:t>
             </a:fld>
             <a:endParaRPr lang="en-US" dirty="0"/>
           </a:p>
@@ -6601,7 +6601,7 @@
         <p:spPr>
           <a:xfrm>
             <a:off x="269239" y="1197322"/>
-            <a:ext cx="11653522" cy="3271408"/>
+            <a:ext cx="11653522" cy="3719480"/>
           </a:xfrm>
         </p:spPr>
         <p:txBody>
@@ -6646,7 +6646,7 @@
               <a:rPr lang="en-US" dirty="0" err="1">
                 <a:latin typeface="Consolas" panose="020B0609020204030204" pitchFamily="49" charset="0"/>
               </a:rPr>
-              <a:t>TCS.TrySetResult</a:t>
+              <a:t>TaskCompletionSource.TrySetResult</a:t>
             </a:r>
             <a:r>
               <a:rPr lang="en-US" dirty="0">
@@ -6662,7 +6662,7 @@
               <a:rPr lang="en-US" dirty="0" err="1">
                 <a:latin typeface="Consolas" panose="020B0609020204030204" pitchFamily="49" charset="0"/>
               </a:rPr>
-              <a:t>CTS.Cancel</a:t>
+              <a:t>CancellationTokenSource.Cancel</a:t>
             </a:r>
             <a:r>
               <a:rPr lang="en-US" dirty="0">

--- a/Async Masterclass/Async Masterclass.pptx
+++ b/Async Masterclass/Async Masterclass.pptx
@@ -233,7 +233,7 @@
           <a:p>
             <a:fld id="{574E8BCA-0B4F-4373-B78E-3D2899449797}" type="datetimeFigureOut">
               <a:rPr lang="en-US" smtClean="0"/>
-              <a:t>1/8/2024</a:t>
+              <a:t>5/2/2025</a:t>
             </a:fld>
             <a:endParaRPr lang="en-US" dirty="0"/>
           </a:p>
@@ -5668,6 +5668,40 @@
           </a:p>
         </p:txBody>
       </p:sp>
+      <p:pic>
+        <p:nvPicPr>
+          <p:cNvPr id="2" name="Picture 1">
+            <a:extLst>
+              <a:ext uri="{FF2B5EF4-FFF2-40B4-BE49-F238E27FC236}">
+                <a16:creationId xmlns:a16="http://schemas.microsoft.com/office/drawing/2014/main" id="{C0A8AB33-2441-C6DA-3AD7-F6CE1188521A}"/>
+              </a:ext>
+            </a:extLst>
+          </p:cNvPr>
+          <p:cNvPicPr/>
+          <p:nvPr/>
+        </p:nvPicPr>
+        <p:blipFill>
+          <a:blip r:embed="rId3" cstate="print">
+            <a:extLst>
+              <a:ext uri="{28A0092B-C50C-407E-A947-70E740481C1C}">
+                <a14:useLocalDpi xmlns:a14="http://schemas.microsoft.com/office/drawing/2010/main" val="0"/>
+              </a:ext>
+            </a:extLst>
+          </a:blip>
+          <a:stretch>
+            <a:fillRect/>
+          </a:stretch>
+        </p:blipFill>
+        <p:spPr>
+          <a:xfrm>
+            <a:off x="4378007" y="4201227"/>
+            <a:ext cx="3435985" cy="1389380"/>
+          </a:xfrm>
+          <a:prstGeom prst="rect">
+            <a:avLst/>
+          </a:prstGeom>
+        </p:spPr>
+      </p:pic>
     </p:spTree>
     <p:extLst>
       <p:ext uri="{BB962C8B-B14F-4D97-AF65-F5344CB8AC3E}">
